--- a/Final Project.pptx
+++ b/Final Project.pptx
@@ -8,10 +8,10 @@
     <p:sldMasterId id="2147483722" r:id="rId4"/>
   </p:sldMasterIdLst>
   <p:notesMasterIdLst>
-    <p:notesMasterId r:id="rId18"/>
+    <p:notesMasterId r:id="rId21"/>
   </p:notesMasterIdLst>
   <p:handoutMasterIdLst>
-    <p:handoutMasterId r:id="rId19"/>
+    <p:handoutMasterId r:id="rId22"/>
   </p:handoutMasterIdLst>
   <p:sldIdLst>
     <p:sldId id="256" r:id="rId5"/>
@@ -23,10 +23,13 @@
     <p:sldId id="430" r:id="rId11"/>
     <p:sldId id="431" r:id="rId12"/>
     <p:sldId id="429" r:id="rId13"/>
-    <p:sldId id="425" r:id="rId14"/>
-    <p:sldId id="426" r:id="rId15"/>
-    <p:sldId id="427" r:id="rId16"/>
-    <p:sldId id="407" r:id="rId17"/>
+    <p:sldId id="433" r:id="rId14"/>
+    <p:sldId id="434" r:id="rId15"/>
+    <p:sldId id="425" r:id="rId16"/>
+    <p:sldId id="432" r:id="rId17"/>
+    <p:sldId id="426" r:id="rId18"/>
+    <p:sldId id="427" r:id="rId19"/>
+    <p:sldId id="407" r:id="rId20"/>
   </p:sldIdLst>
   <p:sldSz cx="9144000" cy="5143500" type="screen16x9"/>
   <p:notesSz cx="6858000" cy="9144000"/>
@@ -156,6 +159,66 @@
     </a:lvl9pPr>
   </p:defaultTextStyle>
   <p:extLst>
+    <p:ext uri="{521415D9-36F7-43E2-AB2F-B90AF26B5E84}">
+      <p14:sectionLst xmlns:p14="http://schemas.microsoft.com/office/powerpoint/2010/main">
+        <p14:section name="Default Section" id="{E52942FE-A18F-4EBC-876F-F399A3317648}">
+          <p14:sldIdLst>
+            <p14:sldId id="256"/>
+          </p14:sldIdLst>
+        </p14:section>
+        <p14:section name="Overview" id="{F1ED1641-5E39-4584-A675-9C1ECD9FD8A0}">
+          <p14:sldIdLst>
+            <p14:sldId id="423"/>
+          </p14:sldIdLst>
+        </p14:section>
+        <p14:section name="Introduction" id="{197BAB51-B5F7-4FC7-A679-86954683A368}">
+          <p14:sldIdLst>
+            <p14:sldId id="333"/>
+            <p14:sldId id="428"/>
+          </p14:sldIdLst>
+        </p14:section>
+        <p14:section name="Objective" id="{DB6FA3EE-4090-4910-A5DF-679F634F5E61}">
+          <p14:sldIdLst>
+            <p14:sldId id="259"/>
+          </p14:sldIdLst>
+        </p14:section>
+        <p14:section name="Sensor" id="{36AF2F32-BCCF-4580-B0CC-4ECA24EE0885}">
+          <p14:sldIdLst>
+            <p14:sldId id="338"/>
+            <p14:sldId id="430"/>
+          </p14:sldIdLst>
+        </p14:section>
+        <p14:section name="Signal Capture" id="{7F1BC19A-F3FD-409C-9855-9F65BA09DA07}">
+          <p14:sldIdLst>
+            <p14:sldId id="431"/>
+          </p14:sldIdLst>
+        </p14:section>
+        <p14:section name="Machine Learning Tasks" id="{362E5198-8391-421F-BCFB-498FFA44CFA1}">
+          <p14:sldIdLst>
+            <p14:sldId id="429"/>
+            <p14:sldId id="433"/>
+            <p14:sldId id="434"/>
+          </p14:sldIdLst>
+        </p14:section>
+        <p14:section name="Results" id="{AF889114-E247-4F06-807F-F9C714415EAB}">
+          <p14:sldIdLst>
+            <p14:sldId id="425"/>
+            <p14:sldId id="432"/>
+          </p14:sldIdLst>
+        </p14:section>
+        <p14:section name="Conclusion" id="{1FA170E2-1CEF-4D50-AEC1-FB580FF7ACD2}">
+          <p14:sldIdLst>
+            <p14:sldId id="426"/>
+          </p14:sldIdLst>
+        </p14:section>
+        <p14:section name="Summary" id="{88604787-9911-4A57-ADCF-AF2349147F2B}">
+          <p14:sldIdLst>
+            <p14:sldId id="427"/>
+            <p14:sldId id="407"/>
+          </p14:sldIdLst>
+        </p14:section>
+      </p14:sectionLst>
+    </p:ext>
     <p:ext uri="{EFAFB233-063F-42B5-8137-9DF3F51BA10A}">
       <p15:sldGuideLst xmlns:p15="http://schemas.microsoft.com/office/powerpoint/2012/main">
         <p15:guide id="1" orient="horz" pos="926">
@@ -876,6 +939,812 @@
 </p:notesMaster>
 </file>
 
+<file path=ppt/notesSlides/notesSlide1.xml><?xml version="1.0" encoding="utf-8"?>
+<p:notes xmlns:a="http://schemas.openxmlformats.org/drawingml/2006/main" xmlns:r="http://schemas.openxmlformats.org/officeDocument/2006/relationships" xmlns:p="http://schemas.openxmlformats.org/presentationml/2006/main">
+  <p:cSld>
+    <p:spTree>
+      <p:nvGrpSpPr>
+        <p:cNvPr id="1" name=""/>
+        <p:cNvGrpSpPr/>
+        <p:nvPr/>
+      </p:nvGrpSpPr>
+      <p:grpSpPr>
+        <a:xfrm>
+          <a:off x="0" y="0"/>
+          <a:ext cx="0" cy="0"/>
+          <a:chOff x="0" y="0"/>
+          <a:chExt cx="0" cy="0"/>
+        </a:xfrm>
+      </p:grpSpPr>
+      <p:sp>
+        <p:nvSpPr>
+          <p:cNvPr id="2" name="Slide Image Placeholder 1"/>
+          <p:cNvSpPr>
+            <a:spLocks noGrp="1" noRot="1" noChangeAspect="1"/>
+          </p:cNvSpPr>
+          <p:nvPr>
+            <p:ph type="sldImg"/>
+          </p:nvPr>
+        </p:nvSpPr>
+        <p:spPr/>
+      </p:sp>
+      <p:sp>
+        <p:nvSpPr>
+          <p:cNvPr id="3" name="Notes Placeholder 2"/>
+          <p:cNvSpPr>
+            <a:spLocks noGrp="1"/>
+          </p:cNvSpPr>
+          <p:nvPr>
+            <p:ph type="body" idx="1"/>
+          </p:nvPr>
+        </p:nvSpPr>
+        <p:spPr/>
+        <p:txBody>
+          <a:bodyPr/>
+          <a:lstStyle/>
+          <a:p>
+            <a:r>
+              <a:rPr lang="en-US" dirty="0" smtClean="0"/>
+              <a:t>Image source: Google Image</a:t>
+            </a:r>
+            <a:r>
+              <a:rPr lang="en-US" baseline="0" dirty="0" smtClean="0"/>
+              <a:t> - https://encrypted-tbn0.gstatic.com/images?q=tbn:ANd9GcS5ABCCCgtUuacq6VBtNyXIYT7AIjxSCch3XA&amp;usqp=CAU </a:t>
+            </a:r>
+            <a:endParaRPr lang="en-US" dirty="0"/>
+          </a:p>
+        </p:txBody>
+      </p:sp>
+      <p:sp>
+        <p:nvSpPr>
+          <p:cNvPr id="4" name="Slide Number Placeholder 3"/>
+          <p:cNvSpPr>
+            <a:spLocks noGrp="1"/>
+          </p:cNvSpPr>
+          <p:nvPr>
+            <p:ph type="sldNum" sz="quarter" idx="10"/>
+          </p:nvPr>
+        </p:nvSpPr>
+        <p:spPr/>
+        <p:txBody>
+          <a:bodyPr/>
+          <a:lstStyle/>
+          <a:p>
+            <a:pPr>
+              <a:defRPr/>
+            </a:pPr>
+            <a:fld id="{46368FBC-5C13-CA47-9CDB-C762BAE83476}" type="slidenum">
+              <a:rPr lang="en-US" smtClean="0"/>
+              <a:pPr>
+                <a:defRPr/>
+              </a:pPr>
+              <a:t>2</a:t>
+            </a:fld>
+            <a:endParaRPr lang="en-US"/>
+          </a:p>
+        </p:txBody>
+      </p:sp>
+    </p:spTree>
+    <p:extLst>
+      <p:ext uri="{BB962C8B-B14F-4D97-AF65-F5344CB8AC3E}">
+        <p14:creationId xmlns:p14="http://schemas.microsoft.com/office/powerpoint/2010/main" val="2740393031"/>
+      </p:ext>
+    </p:extLst>
+  </p:cSld>
+  <p:clrMapOvr>
+    <a:masterClrMapping/>
+  </p:clrMapOvr>
+</p:notes>
+</file>
+
+<file path=ppt/notesSlides/notesSlide2.xml><?xml version="1.0" encoding="utf-8"?>
+<p:notes xmlns:a="http://schemas.openxmlformats.org/drawingml/2006/main" xmlns:r="http://schemas.openxmlformats.org/officeDocument/2006/relationships" xmlns:p="http://schemas.openxmlformats.org/presentationml/2006/main">
+  <p:cSld>
+    <p:spTree>
+      <p:nvGrpSpPr>
+        <p:cNvPr id="1" name=""/>
+        <p:cNvGrpSpPr/>
+        <p:nvPr/>
+      </p:nvGrpSpPr>
+      <p:grpSpPr>
+        <a:xfrm>
+          <a:off x="0" y="0"/>
+          <a:ext cx="0" cy="0"/>
+          <a:chOff x="0" y="0"/>
+          <a:chExt cx="0" cy="0"/>
+        </a:xfrm>
+      </p:grpSpPr>
+      <p:sp>
+        <p:nvSpPr>
+          <p:cNvPr id="2" name="Slide Image Placeholder 1"/>
+          <p:cNvSpPr>
+            <a:spLocks noGrp="1" noRot="1" noChangeAspect="1"/>
+          </p:cNvSpPr>
+          <p:nvPr>
+            <p:ph type="sldImg"/>
+          </p:nvPr>
+        </p:nvSpPr>
+        <p:spPr/>
+      </p:sp>
+      <p:sp>
+        <p:nvSpPr>
+          <p:cNvPr id="3" name="Notes Placeholder 2"/>
+          <p:cNvSpPr>
+            <a:spLocks noGrp="1"/>
+          </p:cNvSpPr>
+          <p:nvPr>
+            <p:ph type="body" idx="1"/>
+          </p:nvPr>
+        </p:nvSpPr>
+        <p:spPr/>
+        <p:txBody>
+          <a:bodyPr/>
+          <a:lstStyle/>
+          <a:p>
+            <a:endParaRPr lang="en-US" dirty="0"/>
+          </a:p>
+        </p:txBody>
+      </p:sp>
+      <p:sp>
+        <p:nvSpPr>
+          <p:cNvPr id="4" name="Slide Number Placeholder 3"/>
+          <p:cNvSpPr>
+            <a:spLocks noGrp="1"/>
+          </p:cNvSpPr>
+          <p:nvPr>
+            <p:ph type="sldNum" sz="quarter" idx="10"/>
+          </p:nvPr>
+        </p:nvSpPr>
+        <p:spPr/>
+        <p:txBody>
+          <a:bodyPr/>
+          <a:lstStyle/>
+          <a:p>
+            <a:pPr>
+              <a:defRPr/>
+            </a:pPr>
+            <a:fld id="{46368FBC-5C13-CA47-9CDB-C762BAE83476}" type="slidenum">
+              <a:rPr lang="en-US" smtClean="0"/>
+              <a:pPr>
+                <a:defRPr/>
+              </a:pPr>
+              <a:t>3</a:t>
+            </a:fld>
+            <a:endParaRPr lang="en-US"/>
+          </a:p>
+        </p:txBody>
+      </p:sp>
+    </p:spTree>
+    <p:extLst>
+      <p:ext uri="{BB962C8B-B14F-4D97-AF65-F5344CB8AC3E}">
+        <p14:creationId xmlns:p14="http://schemas.microsoft.com/office/powerpoint/2010/main" val="2282333889"/>
+      </p:ext>
+    </p:extLst>
+  </p:cSld>
+  <p:clrMapOvr>
+    <a:masterClrMapping/>
+  </p:clrMapOvr>
+</p:notes>
+</file>
+
+<file path=ppt/notesSlides/notesSlide3.xml><?xml version="1.0" encoding="utf-8"?>
+<p:notes xmlns:a="http://schemas.openxmlformats.org/drawingml/2006/main" xmlns:r="http://schemas.openxmlformats.org/officeDocument/2006/relationships" xmlns:p="http://schemas.openxmlformats.org/presentationml/2006/main">
+  <p:cSld>
+    <p:spTree>
+      <p:nvGrpSpPr>
+        <p:cNvPr id="1" name=""/>
+        <p:cNvGrpSpPr/>
+        <p:nvPr/>
+      </p:nvGrpSpPr>
+      <p:grpSpPr>
+        <a:xfrm>
+          <a:off x="0" y="0"/>
+          <a:ext cx="0" cy="0"/>
+          <a:chOff x="0" y="0"/>
+          <a:chExt cx="0" cy="0"/>
+        </a:xfrm>
+      </p:grpSpPr>
+      <p:sp>
+        <p:nvSpPr>
+          <p:cNvPr id="2" name="Slide Image Placeholder 1"/>
+          <p:cNvSpPr>
+            <a:spLocks noGrp="1" noRot="1" noChangeAspect="1"/>
+          </p:cNvSpPr>
+          <p:nvPr>
+            <p:ph type="sldImg"/>
+          </p:nvPr>
+        </p:nvSpPr>
+        <p:spPr/>
+      </p:sp>
+      <p:sp>
+        <p:nvSpPr>
+          <p:cNvPr id="3" name="Notes Placeholder 2"/>
+          <p:cNvSpPr>
+            <a:spLocks noGrp="1"/>
+          </p:cNvSpPr>
+          <p:nvPr>
+            <p:ph type="body" idx="1"/>
+          </p:nvPr>
+        </p:nvSpPr>
+        <p:spPr/>
+        <p:txBody>
+          <a:bodyPr/>
+          <a:lstStyle/>
+          <a:p>
+            <a:endParaRPr lang="en-US" dirty="0"/>
+          </a:p>
+        </p:txBody>
+      </p:sp>
+      <p:sp>
+        <p:nvSpPr>
+          <p:cNvPr id="4" name="Slide Number Placeholder 3"/>
+          <p:cNvSpPr>
+            <a:spLocks noGrp="1"/>
+          </p:cNvSpPr>
+          <p:nvPr>
+            <p:ph type="sldNum" sz="quarter" idx="10"/>
+          </p:nvPr>
+        </p:nvSpPr>
+        <p:spPr/>
+        <p:txBody>
+          <a:bodyPr/>
+          <a:lstStyle/>
+          <a:p>
+            <a:pPr>
+              <a:defRPr/>
+            </a:pPr>
+            <a:fld id="{46368FBC-5C13-CA47-9CDB-C762BAE83476}" type="slidenum">
+              <a:rPr lang="en-US" smtClean="0"/>
+              <a:pPr>
+                <a:defRPr/>
+              </a:pPr>
+              <a:t>5</a:t>
+            </a:fld>
+            <a:endParaRPr lang="en-US"/>
+          </a:p>
+        </p:txBody>
+      </p:sp>
+    </p:spTree>
+    <p:extLst>
+      <p:ext uri="{BB962C8B-B14F-4D97-AF65-F5344CB8AC3E}">
+        <p14:creationId xmlns:p14="http://schemas.microsoft.com/office/powerpoint/2010/main" val="675805674"/>
+      </p:ext>
+    </p:extLst>
+  </p:cSld>
+  <p:clrMapOvr>
+    <a:masterClrMapping/>
+  </p:clrMapOvr>
+</p:notes>
+</file>
+
+<file path=ppt/notesSlides/notesSlide4.xml><?xml version="1.0" encoding="utf-8"?>
+<p:notes xmlns:a="http://schemas.openxmlformats.org/drawingml/2006/main" xmlns:r="http://schemas.openxmlformats.org/officeDocument/2006/relationships" xmlns:p="http://schemas.openxmlformats.org/presentationml/2006/main">
+  <p:cSld>
+    <p:spTree>
+      <p:nvGrpSpPr>
+        <p:cNvPr id="1" name=""/>
+        <p:cNvGrpSpPr/>
+        <p:nvPr/>
+      </p:nvGrpSpPr>
+      <p:grpSpPr>
+        <a:xfrm>
+          <a:off x="0" y="0"/>
+          <a:ext cx="0" cy="0"/>
+          <a:chOff x="0" y="0"/>
+          <a:chExt cx="0" cy="0"/>
+        </a:xfrm>
+      </p:grpSpPr>
+      <p:sp>
+        <p:nvSpPr>
+          <p:cNvPr id="2" name="Slide Image Placeholder 1"/>
+          <p:cNvSpPr>
+            <a:spLocks noGrp="1" noRot="1" noChangeAspect="1"/>
+          </p:cNvSpPr>
+          <p:nvPr>
+            <p:ph type="sldImg"/>
+          </p:nvPr>
+        </p:nvSpPr>
+        <p:spPr/>
+      </p:sp>
+      <p:sp>
+        <p:nvSpPr>
+          <p:cNvPr id="3" name="Notes Placeholder 2"/>
+          <p:cNvSpPr>
+            <a:spLocks noGrp="1"/>
+          </p:cNvSpPr>
+          <p:nvPr>
+            <p:ph type="body" idx="1"/>
+          </p:nvPr>
+        </p:nvSpPr>
+        <p:spPr/>
+        <p:txBody>
+          <a:bodyPr/>
+          <a:lstStyle/>
+          <a:p>
+            <a:r>
+              <a:rPr lang="en-US" dirty="0" smtClean="0"/>
+              <a:t>Picture taken from https://en.wikipedia.org/wiki/Orbital_elements</a:t>
+            </a:r>
+            <a:endParaRPr lang="en-US" dirty="0"/>
+          </a:p>
+        </p:txBody>
+      </p:sp>
+      <p:sp>
+        <p:nvSpPr>
+          <p:cNvPr id="4" name="Slide Number Placeholder 3"/>
+          <p:cNvSpPr>
+            <a:spLocks noGrp="1"/>
+          </p:cNvSpPr>
+          <p:nvPr>
+            <p:ph type="sldNum" sz="quarter" idx="10"/>
+          </p:nvPr>
+        </p:nvSpPr>
+        <p:spPr/>
+        <p:txBody>
+          <a:bodyPr/>
+          <a:lstStyle/>
+          <a:p>
+            <a:pPr>
+              <a:defRPr/>
+            </a:pPr>
+            <a:fld id="{46368FBC-5C13-CA47-9CDB-C762BAE83476}" type="slidenum">
+              <a:rPr lang="en-US" smtClean="0"/>
+              <a:pPr>
+                <a:defRPr/>
+              </a:pPr>
+              <a:t>6</a:t>
+            </a:fld>
+            <a:endParaRPr lang="en-US"/>
+          </a:p>
+        </p:txBody>
+      </p:sp>
+    </p:spTree>
+    <p:extLst>
+      <p:ext uri="{BB962C8B-B14F-4D97-AF65-F5344CB8AC3E}">
+        <p14:creationId xmlns:p14="http://schemas.microsoft.com/office/powerpoint/2010/main" val="3408003959"/>
+      </p:ext>
+    </p:extLst>
+  </p:cSld>
+  <p:clrMapOvr>
+    <a:masterClrMapping/>
+  </p:clrMapOvr>
+</p:notes>
+</file>
+
+<file path=ppt/notesSlides/notesSlide5.xml><?xml version="1.0" encoding="utf-8"?>
+<p:notes xmlns:a="http://schemas.openxmlformats.org/drawingml/2006/main" xmlns:r="http://schemas.openxmlformats.org/officeDocument/2006/relationships" xmlns:p="http://schemas.openxmlformats.org/presentationml/2006/main">
+  <p:cSld>
+    <p:spTree>
+      <p:nvGrpSpPr>
+        <p:cNvPr id="1" name=""/>
+        <p:cNvGrpSpPr/>
+        <p:nvPr/>
+      </p:nvGrpSpPr>
+      <p:grpSpPr>
+        <a:xfrm>
+          <a:off x="0" y="0"/>
+          <a:ext cx="0" cy="0"/>
+          <a:chOff x="0" y="0"/>
+          <a:chExt cx="0" cy="0"/>
+        </a:xfrm>
+      </p:grpSpPr>
+      <p:sp>
+        <p:nvSpPr>
+          <p:cNvPr id="2" name="Slide Image Placeholder 1"/>
+          <p:cNvSpPr>
+            <a:spLocks noGrp="1" noRot="1" noChangeAspect="1"/>
+          </p:cNvSpPr>
+          <p:nvPr>
+            <p:ph type="sldImg"/>
+          </p:nvPr>
+        </p:nvSpPr>
+        <p:spPr/>
+      </p:sp>
+      <p:sp>
+        <p:nvSpPr>
+          <p:cNvPr id="3" name="Notes Placeholder 2"/>
+          <p:cNvSpPr>
+            <a:spLocks noGrp="1"/>
+          </p:cNvSpPr>
+          <p:nvPr>
+            <p:ph type="body" idx="1"/>
+          </p:nvPr>
+        </p:nvSpPr>
+        <p:spPr/>
+        <p:txBody>
+          <a:bodyPr/>
+          <a:lstStyle/>
+          <a:p>
+            <a:endParaRPr lang="en-US" dirty="0"/>
+          </a:p>
+        </p:txBody>
+      </p:sp>
+      <p:sp>
+        <p:nvSpPr>
+          <p:cNvPr id="4" name="Slide Number Placeholder 3"/>
+          <p:cNvSpPr>
+            <a:spLocks noGrp="1"/>
+          </p:cNvSpPr>
+          <p:nvPr>
+            <p:ph type="sldNum" sz="quarter" idx="10"/>
+          </p:nvPr>
+        </p:nvSpPr>
+        <p:spPr/>
+        <p:txBody>
+          <a:bodyPr/>
+          <a:lstStyle/>
+          <a:p>
+            <a:pPr>
+              <a:defRPr/>
+            </a:pPr>
+            <a:fld id="{46368FBC-5C13-CA47-9CDB-C762BAE83476}" type="slidenum">
+              <a:rPr lang="en-US" smtClean="0"/>
+              <a:pPr>
+                <a:defRPr/>
+              </a:pPr>
+              <a:t>8</a:t>
+            </a:fld>
+            <a:endParaRPr lang="en-US"/>
+          </a:p>
+        </p:txBody>
+      </p:sp>
+    </p:spTree>
+    <p:extLst>
+      <p:ext uri="{BB962C8B-B14F-4D97-AF65-F5344CB8AC3E}">
+        <p14:creationId xmlns:p14="http://schemas.microsoft.com/office/powerpoint/2010/main" val="828573329"/>
+      </p:ext>
+    </p:extLst>
+  </p:cSld>
+  <p:clrMapOvr>
+    <a:masterClrMapping/>
+  </p:clrMapOvr>
+</p:notes>
+</file>
+
+<file path=ppt/notesSlides/notesSlide6.xml><?xml version="1.0" encoding="utf-8"?>
+<p:notes xmlns:a="http://schemas.openxmlformats.org/drawingml/2006/main" xmlns:r="http://schemas.openxmlformats.org/officeDocument/2006/relationships" xmlns:p="http://schemas.openxmlformats.org/presentationml/2006/main">
+  <p:cSld>
+    <p:spTree>
+      <p:nvGrpSpPr>
+        <p:cNvPr id="1" name=""/>
+        <p:cNvGrpSpPr/>
+        <p:nvPr/>
+      </p:nvGrpSpPr>
+      <p:grpSpPr>
+        <a:xfrm>
+          <a:off x="0" y="0"/>
+          <a:ext cx="0" cy="0"/>
+          <a:chOff x="0" y="0"/>
+          <a:chExt cx="0" cy="0"/>
+        </a:xfrm>
+      </p:grpSpPr>
+      <p:sp>
+        <p:nvSpPr>
+          <p:cNvPr id="2" name="Slide Image Placeholder 1"/>
+          <p:cNvSpPr>
+            <a:spLocks noGrp="1" noRot="1" noChangeAspect="1"/>
+          </p:cNvSpPr>
+          <p:nvPr>
+            <p:ph type="sldImg"/>
+          </p:nvPr>
+        </p:nvSpPr>
+        <p:spPr/>
+      </p:sp>
+      <p:sp>
+        <p:nvSpPr>
+          <p:cNvPr id="3" name="Notes Placeholder 2"/>
+          <p:cNvSpPr>
+            <a:spLocks noGrp="1"/>
+          </p:cNvSpPr>
+          <p:nvPr>
+            <p:ph type="body" idx="1"/>
+          </p:nvPr>
+        </p:nvSpPr>
+        <p:spPr/>
+        <p:txBody>
+          <a:bodyPr/>
+          <a:lstStyle/>
+          <a:p>
+            <a:pPr eaLnBrk="1" hangingPunct="1">
+              <a:lnSpc>
+                <a:spcPct val="80000"/>
+              </a:lnSpc>
+              <a:buFont typeface="Wingdings" pitchFamily="2" charset="2"/>
+              <a:buChar char="§"/>
+            </a:pPr>
+            <a:r>
+              <a:rPr lang="en-US" sz="1200" dirty="0" smtClean="0"/>
+              <a:t>This is the main focus of the presentation.  Positive or negative results should be presented with the details so that the reviewers will understand why the project is successful or runs into challenges. </a:t>
+            </a:r>
+          </a:p>
+          <a:p>
+            <a:pPr marL="0" indent="0" eaLnBrk="1" hangingPunct="1">
+              <a:lnSpc>
+                <a:spcPct val="80000"/>
+              </a:lnSpc>
+              <a:buNone/>
+            </a:pPr>
+            <a:endParaRPr lang="en-US" sz="1200" dirty="0" smtClean="0"/>
+          </a:p>
+          <a:p>
+            <a:pPr marL="0" indent="0" eaLnBrk="1" hangingPunct="1">
+              <a:lnSpc>
+                <a:spcPct val="80000"/>
+              </a:lnSpc>
+              <a:buNone/>
+            </a:pPr>
+            <a:endParaRPr lang="en-US" sz="1200" dirty="0" smtClean="0"/>
+          </a:p>
+          <a:p>
+            <a:pPr marL="0" indent="0" eaLnBrk="1" hangingPunct="1">
+              <a:lnSpc>
+                <a:spcPct val="80000"/>
+              </a:lnSpc>
+              <a:buNone/>
+            </a:pPr>
+            <a:r>
+              <a:rPr lang="en-US" sz="1200" dirty="0" smtClean="0"/>
+              <a:t>Note: Plots and graphs are encouraged to use.  However, do not just cut-and-paste the </a:t>
+            </a:r>
+            <a:r>
+              <a:rPr lang="en-US" sz="1200" dirty="0" err="1" smtClean="0"/>
+              <a:t>matlab</a:t>
+            </a:r>
+            <a:r>
+              <a:rPr lang="en-US" sz="1200" dirty="0" smtClean="0"/>
+              <a:t> output to presentation as is.  The axis labels can be “enhanced” in the PowerPoint to help the reviewers to view the results.  </a:t>
+            </a:r>
+          </a:p>
+          <a:p>
+            <a:endParaRPr lang="en-US" dirty="0"/>
+          </a:p>
+        </p:txBody>
+      </p:sp>
+      <p:sp>
+        <p:nvSpPr>
+          <p:cNvPr id="4" name="Slide Number Placeholder 3"/>
+          <p:cNvSpPr>
+            <a:spLocks noGrp="1"/>
+          </p:cNvSpPr>
+          <p:nvPr>
+            <p:ph type="sldNum" sz="quarter" idx="10"/>
+          </p:nvPr>
+        </p:nvSpPr>
+        <p:spPr/>
+        <p:txBody>
+          <a:bodyPr/>
+          <a:lstStyle/>
+          <a:p>
+            <a:pPr>
+              <a:defRPr/>
+            </a:pPr>
+            <a:fld id="{46368FBC-5C13-CA47-9CDB-C762BAE83476}" type="slidenum">
+              <a:rPr lang="en-US" smtClean="0"/>
+              <a:pPr>
+                <a:defRPr/>
+              </a:pPr>
+              <a:t>12</a:t>
+            </a:fld>
+            <a:endParaRPr lang="en-US"/>
+          </a:p>
+        </p:txBody>
+      </p:sp>
+    </p:spTree>
+    <p:extLst>
+      <p:ext uri="{BB962C8B-B14F-4D97-AF65-F5344CB8AC3E}">
+        <p14:creationId xmlns:p14="http://schemas.microsoft.com/office/powerpoint/2010/main" val="3259285702"/>
+      </p:ext>
+    </p:extLst>
+  </p:cSld>
+  <p:clrMapOvr>
+    <a:masterClrMapping/>
+  </p:clrMapOvr>
+</p:notes>
+</file>
+
+<file path=ppt/notesSlides/notesSlide7.xml><?xml version="1.0" encoding="utf-8"?>
+<p:notes xmlns:a="http://schemas.openxmlformats.org/drawingml/2006/main" xmlns:r="http://schemas.openxmlformats.org/officeDocument/2006/relationships" xmlns:p="http://schemas.openxmlformats.org/presentationml/2006/main">
+  <p:cSld>
+    <p:spTree>
+      <p:nvGrpSpPr>
+        <p:cNvPr id="1" name=""/>
+        <p:cNvGrpSpPr/>
+        <p:nvPr/>
+      </p:nvGrpSpPr>
+      <p:grpSpPr>
+        <a:xfrm>
+          <a:off x="0" y="0"/>
+          <a:ext cx="0" cy="0"/>
+          <a:chOff x="0" y="0"/>
+          <a:chExt cx="0" cy="0"/>
+        </a:xfrm>
+      </p:grpSpPr>
+      <p:sp>
+        <p:nvSpPr>
+          <p:cNvPr id="2" name="Slide Image Placeholder 1"/>
+          <p:cNvSpPr>
+            <a:spLocks noGrp="1" noRot="1" noChangeAspect="1"/>
+          </p:cNvSpPr>
+          <p:nvPr>
+            <p:ph type="sldImg"/>
+          </p:nvPr>
+        </p:nvSpPr>
+        <p:spPr/>
+      </p:sp>
+      <p:sp>
+        <p:nvSpPr>
+          <p:cNvPr id="3" name="Notes Placeholder 2"/>
+          <p:cNvSpPr>
+            <a:spLocks noGrp="1"/>
+          </p:cNvSpPr>
+          <p:nvPr>
+            <p:ph type="body" idx="1"/>
+          </p:nvPr>
+        </p:nvSpPr>
+        <p:spPr/>
+        <p:txBody>
+          <a:bodyPr/>
+          <a:lstStyle/>
+          <a:p>
+            <a:endParaRPr lang="en-US" dirty="0"/>
+          </a:p>
+        </p:txBody>
+      </p:sp>
+      <p:sp>
+        <p:nvSpPr>
+          <p:cNvPr id="4" name="Slide Number Placeholder 3"/>
+          <p:cNvSpPr>
+            <a:spLocks noGrp="1"/>
+          </p:cNvSpPr>
+          <p:nvPr>
+            <p:ph type="sldNum" sz="quarter" idx="10"/>
+          </p:nvPr>
+        </p:nvSpPr>
+        <p:spPr/>
+        <p:txBody>
+          <a:bodyPr/>
+          <a:lstStyle/>
+          <a:p>
+            <a:pPr>
+              <a:defRPr/>
+            </a:pPr>
+            <a:fld id="{46368FBC-5C13-CA47-9CDB-C762BAE83476}" type="slidenum">
+              <a:rPr lang="en-US" smtClean="0"/>
+              <a:pPr>
+                <a:defRPr/>
+              </a:pPr>
+              <a:t>13</a:t>
+            </a:fld>
+            <a:endParaRPr lang="en-US"/>
+          </a:p>
+        </p:txBody>
+      </p:sp>
+    </p:spTree>
+    <p:extLst>
+      <p:ext uri="{BB962C8B-B14F-4D97-AF65-F5344CB8AC3E}">
+        <p14:creationId xmlns:p14="http://schemas.microsoft.com/office/powerpoint/2010/main" val="3985260424"/>
+      </p:ext>
+    </p:extLst>
+  </p:cSld>
+  <p:clrMapOvr>
+    <a:masterClrMapping/>
+  </p:clrMapOvr>
+</p:notes>
+</file>
+
+<file path=ppt/notesSlides/notesSlide8.xml><?xml version="1.0" encoding="utf-8"?>
+<p:notes xmlns:a="http://schemas.openxmlformats.org/drawingml/2006/main" xmlns:r="http://schemas.openxmlformats.org/officeDocument/2006/relationships" xmlns:p="http://schemas.openxmlformats.org/presentationml/2006/main">
+  <p:cSld>
+    <p:spTree>
+      <p:nvGrpSpPr>
+        <p:cNvPr id="1" name=""/>
+        <p:cNvGrpSpPr/>
+        <p:nvPr/>
+      </p:nvGrpSpPr>
+      <p:grpSpPr>
+        <a:xfrm>
+          <a:off x="0" y="0"/>
+          <a:ext cx="0" cy="0"/>
+          <a:chOff x="0" y="0"/>
+          <a:chExt cx="0" cy="0"/>
+        </a:xfrm>
+      </p:grpSpPr>
+      <p:sp>
+        <p:nvSpPr>
+          <p:cNvPr id="2" name="Slide Image Placeholder 1"/>
+          <p:cNvSpPr>
+            <a:spLocks noGrp="1" noRot="1" noChangeAspect="1"/>
+          </p:cNvSpPr>
+          <p:nvPr>
+            <p:ph type="sldImg"/>
+          </p:nvPr>
+        </p:nvSpPr>
+        <p:spPr/>
+      </p:sp>
+      <p:sp>
+        <p:nvSpPr>
+          <p:cNvPr id="3" name="Notes Placeholder 2"/>
+          <p:cNvSpPr>
+            <a:spLocks noGrp="1"/>
+          </p:cNvSpPr>
+          <p:nvPr>
+            <p:ph type="body" idx="1"/>
+          </p:nvPr>
+        </p:nvSpPr>
+        <p:spPr/>
+        <p:txBody>
+          <a:bodyPr/>
+          <a:lstStyle/>
+          <a:p>
+            <a:pPr marL="0" marR="0" lvl="0" indent="0" algn="l" defTabSz="457200" rtl="0" eaLnBrk="0" fontAlgn="base" latinLnBrk="0" hangingPunct="0">
+              <a:lnSpc>
+                <a:spcPct val="100000"/>
+              </a:lnSpc>
+              <a:spcBef>
+                <a:spcPct val="30000"/>
+              </a:spcBef>
+              <a:spcAft>
+                <a:spcPct val="0"/>
+              </a:spcAft>
+              <a:buClrTx/>
+              <a:buSzTx/>
+              <a:buFontTx/>
+              <a:buNone/>
+              <a:tabLst/>
+              <a:defRPr/>
+            </a:pPr>
+            <a:r>
+              <a:rPr lang="en-US" dirty="0" smtClean="0"/>
+              <a:t>Summarize the accomplishments of the course project and highlight the findings of the projects.</a:t>
+            </a:r>
+          </a:p>
+          <a:p>
+            <a:endParaRPr lang="en-US" dirty="0"/>
+          </a:p>
+        </p:txBody>
+      </p:sp>
+      <p:sp>
+        <p:nvSpPr>
+          <p:cNvPr id="4" name="Slide Number Placeholder 3"/>
+          <p:cNvSpPr>
+            <a:spLocks noGrp="1"/>
+          </p:cNvSpPr>
+          <p:nvPr>
+            <p:ph type="sldNum" sz="quarter" idx="10"/>
+          </p:nvPr>
+        </p:nvSpPr>
+        <p:spPr/>
+        <p:txBody>
+          <a:bodyPr/>
+          <a:lstStyle/>
+          <a:p>
+            <a:pPr>
+              <a:defRPr/>
+            </a:pPr>
+            <a:fld id="{46368FBC-5C13-CA47-9CDB-C762BAE83476}" type="slidenum">
+              <a:rPr lang="en-US" smtClean="0"/>
+              <a:pPr>
+                <a:defRPr/>
+              </a:pPr>
+              <a:t>15</a:t>
+            </a:fld>
+            <a:endParaRPr lang="en-US"/>
+          </a:p>
+        </p:txBody>
+      </p:sp>
+    </p:spTree>
+    <p:extLst>
+      <p:ext uri="{BB962C8B-B14F-4D97-AF65-F5344CB8AC3E}">
+        <p14:creationId xmlns:p14="http://schemas.microsoft.com/office/powerpoint/2010/main" val="1625137754"/>
+      </p:ext>
+    </p:extLst>
+  </p:cSld>
+  <p:clrMapOvr>
+    <a:masterClrMapping/>
+  </p:clrMapOvr>
+</p:notes>
+</file>
+
 <file path=ppt/slideLayouts/slideLayout1.xml><?xml version="1.0" encoding="utf-8"?>
 <p:sldLayout xmlns:a="http://schemas.openxmlformats.org/drawingml/2006/main" xmlns:r="http://schemas.openxmlformats.org/officeDocument/2006/relationships" xmlns:p="http://schemas.openxmlformats.org/presentationml/2006/main" preserve="1" userDrawn="1">
   <p:cSld name="2_Title Slide">
@@ -915,14 +1784,14 @@
           </a:ln>
           <a:extLst>
             <a:ext uri="{909E8E84-426E-40dd-AFC4-6F175D3DCCD1}">
-              <a14:hiddenFill xmlns="" xmlns:a14="http://schemas.microsoft.com/office/drawing/2010/main">
+              <a14:hiddenFill xmlns:a14="http://schemas.microsoft.com/office/drawing/2010/main" xmlns="">
                 <a:solidFill>
                   <a:srgbClr val="FFFFFF"/>
                 </a:solidFill>
               </a14:hiddenFill>
             </a:ext>
             <a:ext uri="{91240B29-F687-4f45-9708-019B960494DF}">
-              <a14:hiddenLine xmlns="" xmlns:a14="http://schemas.microsoft.com/office/drawing/2010/main" w="9525">
+              <a14:hiddenLine xmlns:a14="http://schemas.microsoft.com/office/drawing/2010/main" xmlns="" w="9525">
                 <a:solidFill>
                   <a:srgbClr val="000000"/>
                 </a:solidFill>
@@ -1087,14 +1956,14 @@
           </a:ln>
           <a:extLst>
             <a:ext uri="{909E8E84-426E-40dd-AFC4-6F175D3DCCD1}">
-              <a14:hiddenFill xmlns="" xmlns:a14="http://schemas.microsoft.com/office/drawing/2010/main">
+              <a14:hiddenFill xmlns:a14="http://schemas.microsoft.com/office/drawing/2010/main" xmlns="">
                 <a:solidFill>
                   <a:srgbClr val="FFFFFF"/>
                 </a:solidFill>
               </a14:hiddenFill>
             </a:ext>
             <a:ext uri="{91240B29-F687-4f45-9708-019B960494DF}">
-              <a14:hiddenLine xmlns="" xmlns:a14="http://schemas.microsoft.com/office/drawing/2010/main" w="9525">
+              <a14:hiddenLine xmlns:a14="http://schemas.microsoft.com/office/drawing/2010/main" xmlns="" w="9525">
                 <a:solidFill>
                   <a:srgbClr val="000000"/>
                 </a:solidFill>
@@ -4002,14 +4871,14 @@
           </a:ln>
           <a:extLst>
             <a:ext uri="{909E8E84-426E-40dd-AFC4-6F175D3DCCD1}">
-              <a14:hiddenFill xmlns="" xmlns:a14="http://schemas.microsoft.com/office/drawing/2010/main">
+              <a14:hiddenFill xmlns:a14="http://schemas.microsoft.com/office/drawing/2010/main" xmlns="">
                 <a:solidFill>
                   <a:srgbClr val="FFFFFF"/>
                 </a:solidFill>
               </a14:hiddenFill>
             </a:ext>
             <a:ext uri="{91240B29-F687-4f45-9708-019B960494DF}">
-              <a14:hiddenLine xmlns="" xmlns:a14="http://schemas.microsoft.com/office/drawing/2010/main" w="9525">
+              <a14:hiddenLine xmlns:a14="http://schemas.microsoft.com/office/drawing/2010/main" xmlns="" w="9525">
                 <a:solidFill>
                   <a:srgbClr val="000000"/>
                 </a:solidFill>
@@ -4048,7 +4917,7 @@
           </a:ln>
           <a:extLst>
             <a:ext uri="{909E8E84-426E-40dd-AFC4-6F175D3DCCD1}">
-              <a14:hiddenFill xmlns="" xmlns:a14="http://schemas.microsoft.com/office/drawing/2010/main">
+              <a14:hiddenFill xmlns:a14="http://schemas.microsoft.com/office/drawing/2010/main" xmlns="">
                 <a:noFill/>
               </a14:hiddenFill>
             </a:ext>
@@ -4090,14 +4959,14 @@
           </a:ln>
           <a:extLst>
             <a:ext uri="{909E8E84-426E-40dd-AFC4-6F175D3DCCD1}">
-              <a14:hiddenFill xmlns="" xmlns:a14="http://schemas.microsoft.com/office/drawing/2010/main">
+              <a14:hiddenFill xmlns:a14="http://schemas.microsoft.com/office/drawing/2010/main" xmlns="">
                 <a:solidFill>
                   <a:srgbClr val="FFFFFF"/>
                 </a:solidFill>
               </a14:hiddenFill>
             </a:ext>
             <a:ext uri="{91240B29-F687-4f45-9708-019B960494DF}">
-              <a14:hiddenLine xmlns="" xmlns:a14="http://schemas.microsoft.com/office/drawing/2010/main" w="9525">
+              <a14:hiddenLine xmlns:a14="http://schemas.microsoft.com/office/drawing/2010/main" xmlns="" w="9525">
                 <a:solidFill>
                   <a:srgbClr val="000000"/>
                 </a:solidFill>
@@ -4354,14 +5223,14 @@
           </a:ln>
           <a:extLst>
             <a:ext uri="{909E8E84-426E-40dd-AFC4-6F175D3DCCD1}">
-              <a14:hiddenFill xmlns="" xmlns:a14="http://schemas.microsoft.com/office/drawing/2010/main">
+              <a14:hiddenFill xmlns:a14="http://schemas.microsoft.com/office/drawing/2010/main" xmlns="">
                 <a:solidFill>
                   <a:srgbClr val="FFFFFF"/>
                 </a:solidFill>
               </a14:hiddenFill>
             </a:ext>
             <a:ext uri="{91240B29-F687-4f45-9708-019B960494DF}">
-              <a14:hiddenLine xmlns="" xmlns:a14="http://schemas.microsoft.com/office/drawing/2010/main" w="9525">
+              <a14:hiddenLine xmlns:a14="http://schemas.microsoft.com/office/drawing/2010/main" xmlns="" w="9525">
                 <a:solidFill>
                   <a:srgbClr val="000000"/>
                 </a:solidFill>
@@ -4395,14 +5264,14 @@
           </a:ln>
           <a:extLst>
             <a:ext uri="{909E8E84-426E-40dd-AFC4-6F175D3DCCD1}">
-              <a14:hiddenFill xmlns="" xmlns:a14="http://schemas.microsoft.com/office/drawing/2010/main">
+              <a14:hiddenFill xmlns:a14="http://schemas.microsoft.com/office/drawing/2010/main" xmlns="">
                 <a:solidFill>
                   <a:srgbClr val="FFFFFF"/>
                 </a:solidFill>
               </a14:hiddenFill>
             </a:ext>
             <a:ext uri="{91240B29-F687-4f45-9708-019B960494DF}">
-              <a14:hiddenLine xmlns="" xmlns:a14="http://schemas.microsoft.com/office/drawing/2010/main" w="9525">
+              <a14:hiddenLine xmlns:a14="http://schemas.microsoft.com/office/drawing/2010/main" xmlns="" w="9525">
                 <a:solidFill>
                   <a:srgbClr val="000000"/>
                 </a:solidFill>
@@ -6988,14 +7857,14 @@
           </a:ln>
           <a:extLst>
             <a:ext uri="{909E8E84-426E-40dd-AFC4-6F175D3DCCD1}">
-              <a14:hiddenFill xmlns="" xmlns:a14="http://schemas.microsoft.com/office/drawing/2010/main">
+              <a14:hiddenFill xmlns:a14="http://schemas.microsoft.com/office/drawing/2010/main" xmlns="">
                 <a:solidFill>
                   <a:srgbClr val="FFFFFF"/>
                 </a:solidFill>
               </a14:hiddenFill>
             </a:ext>
             <a:ext uri="{91240B29-F687-4f45-9708-019B960494DF}">
-              <a14:hiddenLine xmlns="" xmlns:a14="http://schemas.microsoft.com/office/drawing/2010/main" w="9525">
+              <a14:hiddenLine xmlns:a14="http://schemas.microsoft.com/office/drawing/2010/main" xmlns="" w="9525">
                 <a:solidFill>
                   <a:srgbClr val="000000"/>
                 </a:solidFill>
@@ -7034,7 +7903,7 @@
           </a:ln>
           <a:extLst>
             <a:ext uri="{909E8E84-426E-40dd-AFC4-6F175D3DCCD1}">
-              <a14:hiddenFill xmlns="" xmlns:a14="http://schemas.microsoft.com/office/drawing/2010/main">
+              <a14:hiddenFill xmlns:a14="http://schemas.microsoft.com/office/drawing/2010/main" xmlns="">
                 <a:noFill/>
               </a14:hiddenFill>
             </a:ext>
@@ -7076,14 +7945,14 @@
           </a:ln>
           <a:extLst>
             <a:ext uri="{909E8E84-426E-40dd-AFC4-6F175D3DCCD1}">
-              <a14:hiddenFill xmlns="" xmlns:a14="http://schemas.microsoft.com/office/drawing/2010/main">
+              <a14:hiddenFill xmlns:a14="http://schemas.microsoft.com/office/drawing/2010/main" xmlns="">
                 <a:solidFill>
                   <a:srgbClr val="FFFFFF"/>
                 </a:solidFill>
               </a14:hiddenFill>
             </a:ext>
             <a:ext uri="{91240B29-F687-4f45-9708-019B960494DF}">
-              <a14:hiddenLine xmlns="" xmlns:a14="http://schemas.microsoft.com/office/drawing/2010/main" w="9525">
+              <a14:hiddenLine xmlns:a14="http://schemas.microsoft.com/office/drawing/2010/main" xmlns="" w="9525">
                 <a:solidFill>
                   <a:srgbClr val="000000"/>
                 </a:solidFill>
@@ -7740,14 +8609,14 @@
           </a:ln>
           <a:extLst>
             <a:ext uri="{909E8E84-426E-40dd-AFC4-6F175D3DCCD1}">
-              <a14:hiddenFill xmlns="" xmlns:a14="http://schemas.microsoft.com/office/drawing/2010/main">
+              <a14:hiddenFill xmlns:a14="http://schemas.microsoft.com/office/drawing/2010/main" xmlns="">
                 <a:solidFill>
                   <a:srgbClr val="FFFFFF"/>
                 </a:solidFill>
               </a14:hiddenFill>
             </a:ext>
             <a:ext uri="{91240B29-F687-4f45-9708-019B960494DF}">
-              <a14:hiddenLine xmlns="" xmlns:a14="http://schemas.microsoft.com/office/drawing/2010/main" w="9525">
+              <a14:hiddenLine xmlns:a14="http://schemas.microsoft.com/office/drawing/2010/main" xmlns="" w="9525">
                 <a:solidFill>
                   <a:srgbClr val="000000"/>
                 </a:solidFill>
@@ -7781,14 +8650,14 @@
           </a:ln>
           <a:extLst>
             <a:ext uri="{909E8E84-426E-40dd-AFC4-6F175D3DCCD1}">
-              <a14:hiddenFill xmlns="" xmlns:a14="http://schemas.microsoft.com/office/drawing/2010/main">
+              <a14:hiddenFill xmlns:a14="http://schemas.microsoft.com/office/drawing/2010/main" xmlns="">
                 <a:solidFill>
                   <a:srgbClr val="FFFFFF"/>
                 </a:solidFill>
               </a14:hiddenFill>
             </a:ext>
             <a:ext uri="{91240B29-F687-4f45-9708-019B960494DF}">
-              <a14:hiddenLine xmlns="" xmlns:a14="http://schemas.microsoft.com/office/drawing/2010/main" w="9525">
+              <a14:hiddenLine xmlns:a14="http://schemas.microsoft.com/office/drawing/2010/main" xmlns="" w="9525">
                 <a:solidFill>
                   <a:srgbClr val="000000"/>
                 </a:solidFill>
@@ -8011,14 +8880,14 @@
           </a:ln>
           <a:extLst>
             <a:ext uri="{909E8E84-426E-40dd-AFC4-6F175D3DCCD1}">
-              <a14:hiddenFill xmlns="" xmlns:a14="http://schemas.microsoft.com/office/drawing/2010/main">
+              <a14:hiddenFill xmlns:a14="http://schemas.microsoft.com/office/drawing/2010/main" xmlns="">
                 <a:solidFill>
                   <a:srgbClr val="FFFFFF"/>
                 </a:solidFill>
               </a14:hiddenFill>
             </a:ext>
             <a:ext uri="{91240B29-F687-4f45-9708-019B960494DF}">
-              <a14:hiddenLine xmlns="" xmlns:a14="http://schemas.microsoft.com/office/drawing/2010/main" w="9525">
+              <a14:hiddenLine xmlns:a14="http://schemas.microsoft.com/office/drawing/2010/main" xmlns="" w="9525">
                 <a:solidFill>
                   <a:srgbClr val="000000"/>
                 </a:solidFill>
@@ -8092,7 +8961,7 @@
           </a:ln>
           <a:extLst>
             <a:ext uri="{909E8E84-426E-40dd-AFC4-6F175D3DCCD1}">
-              <a14:hiddenFill xmlns="" xmlns:a14="http://schemas.microsoft.com/office/drawing/2010/main">
+              <a14:hiddenFill xmlns:a14="http://schemas.microsoft.com/office/drawing/2010/main" xmlns="">
                 <a:noFill/>
               </a14:hiddenFill>
             </a:ext>
@@ -8134,14 +9003,14 @@
           </a:ln>
           <a:extLst>
             <a:ext uri="{909E8E84-426E-40dd-AFC4-6F175D3DCCD1}">
-              <a14:hiddenFill xmlns="" xmlns:a14="http://schemas.microsoft.com/office/drawing/2010/main">
+              <a14:hiddenFill xmlns:a14="http://schemas.microsoft.com/office/drawing/2010/main" xmlns="">
                 <a:solidFill>
                   <a:srgbClr val="FFFFFF"/>
                 </a:solidFill>
               </a14:hiddenFill>
             </a:ext>
             <a:ext uri="{91240B29-F687-4f45-9708-019B960494DF}">
-              <a14:hiddenLine xmlns="" xmlns:a14="http://schemas.microsoft.com/office/drawing/2010/main" w="9525">
+              <a14:hiddenLine xmlns:a14="http://schemas.microsoft.com/office/drawing/2010/main" xmlns="" w="9525">
                 <a:solidFill>
                   <a:srgbClr val="000000"/>
                 </a:solidFill>
@@ -8188,14 +9057,14 @@
           </a:ln>
           <a:extLst>
             <a:ext uri="{909E8E84-426E-40dd-AFC4-6F175D3DCCD1}">
-              <a14:hiddenFill xmlns="" xmlns:a14="http://schemas.microsoft.com/office/drawing/2010/main">
+              <a14:hiddenFill xmlns:a14="http://schemas.microsoft.com/office/drawing/2010/main" xmlns="">
                 <a:solidFill>
                   <a:srgbClr val="FFFFFF"/>
                 </a:solidFill>
               </a14:hiddenFill>
             </a:ext>
             <a:ext uri="{91240B29-F687-4f45-9708-019B960494DF}">
-              <a14:hiddenLine xmlns="" xmlns:a14="http://schemas.microsoft.com/office/drawing/2010/main" w="9525">
+              <a14:hiddenLine xmlns:a14="http://schemas.microsoft.com/office/drawing/2010/main" xmlns="" w="9525">
                 <a:solidFill>
                   <a:srgbClr val="000000"/>
                 </a:solidFill>
@@ -9680,7 +10549,7 @@
           </a:ln>
           <a:extLst>
             <a:ext uri="{91240B29-F687-4f45-9708-019B960494DF}">
-              <a14:hiddenLine xmlns="" xmlns:a14="http://schemas.microsoft.com/office/drawing/2010/main" w="9525">
+              <a14:hiddenLine xmlns:a14="http://schemas.microsoft.com/office/drawing/2010/main" xmlns="" w="9525">
                 <a:solidFill>
                   <a:srgbClr val="000000"/>
                 </a:solidFill>
@@ -9827,14 +10696,14 @@
           </a:ln>
           <a:extLst>
             <a:ext uri="{909E8E84-426E-40dd-AFC4-6F175D3DCCD1}">
-              <a14:hiddenFill xmlns="" xmlns:a14="http://schemas.microsoft.com/office/drawing/2010/main">
+              <a14:hiddenFill xmlns:a14="http://schemas.microsoft.com/office/drawing/2010/main" xmlns="">
                 <a:solidFill>
                   <a:srgbClr val="FFFFFF"/>
                 </a:solidFill>
               </a14:hiddenFill>
             </a:ext>
             <a:ext uri="{91240B29-F687-4f45-9708-019B960494DF}">
-              <a14:hiddenLine xmlns="" xmlns:a14="http://schemas.microsoft.com/office/drawing/2010/main" w="9525">
+              <a14:hiddenLine xmlns:a14="http://schemas.microsoft.com/office/drawing/2010/main" xmlns="" w="9525">
                 <a:solidFill>
                   <a:srgbClr val="000000"/>
                 </a:solidFill>
@@ -9844,7 +10713,7 @@
               </a14:hiddenLine>
             </a:ext>
             <a:ext uri="{FAA26D3D-D897-4be2-8F04-BA451C77F1D7}">
-              <ma14:placeholderFlag xmlns="" xmlns:ma14="http://schemas.microsoft.com/office/mac/drawingml/2011/main" val="1"/>
+              <ma14:placeholderFlag xmlns:ma14="http://schemas.microsoft.com/office/mac/drawingml/2011/main" xmlns="" val="1"/>
             </a:ext>
           </a:extLst>
         </p:spPr>
@@ -9888,14 +10757,14 @@
           </a:ln>
           <a:extLst>
             <a:ext uri="{909E8E84-426E-40dd-AFC4-6F175D3DCCD1}">
-              <a14:hiddenFill xmlns="" xmlns:a14="http://schemas.microsoft.com/office/drawing/2010/main">
+              <a14:hiddenFill xmlns:a14="http://schemas.microsoft.com/office/drawing/2010/main" xmlns="">
                 <a:solidFill>
                   <a:srgbClr val="FFFFFF"/>
                 </a:solidFill>
               </a14:hiddenFill>
             </a:ext>
             <a:ext uri="{91240B29-F687-4f45-9708-019B960494DF}">
-              <a14:hiddenLine xmlns="" xmlns:a14="http://schemas.microsoft.com/office/drawing/2010/main" w="9525">
+              <a14:hiddenLine xmlns:a14="http://schemas.microsoft.com/office/drawing/2010/main" xmlns="" w="9525">
                 <a:solidFill>
                   <a:srgbClr val="000000"/>
                 </a:solidFill>
@@ -9905,7 +10774,7 @@
               </a14:hiddenLine>
             </a:ext>
             <a:ext uri="{FAA26D3D-D897-4be2-8F04-BA451C77F1D7}">
-              <ma14:placeholderFlag xmlns="" xmlns:ma14="http://schemas.microsoft.com/office/mac/drawingml/2011/main" val="1"/>
+              <ma14:placeholderFlag xmlns:ma14="http://schemas.microsoft.com/office/mac/drawingml/2011/main" xmlns="" val="1"/>
             </a:ext>
           </a:extLst>
         </p:spPr>
@@ -10570,7 +11439,7 @@
           </a:ln>
           <a:extLst>
             <a:ext uri="{91240B29-F687-4f45-9708-019B960494DF}">
-              <a14:hiddenLine xmlns="" xmlns:a14="http://schemas.microsoft.com/office/drawing/2010/main" w="9525">
+              <a14:hiddenLine xmlns:a14="http://schemas.microsoft.com/office/drawing/2010/main" xmlns="" w="9525">
                 <a:solidFill>
                   <a:srgbClr val="000000"/>
                 </a:solidFill>
@@ -10717,14 +11586,14 @@
           </a:ln>
           <a:extLst>
             <a:ext uri="{909E8E84-426E-40dd-AFC4-6F175D3DCCD1}">
-              <a14:hiddenFill xmlns="" xmlns:a14="http://schemas.microsoft.com/office/drawing/2010/main">
+              <a14:hiddenFill xmlns:a14="http://schemas.microsoft.com/office/drawing/2010/main" xmlns="">
                 <a:solidFill>
                   <a:srgbClr val="FFFFFF"/>
                 </a:solidFill>
               </a14:hiddenFill>
             </a:ext>
             <a:ext uri="{91240B29-F687-4f45-9708-019B960494DF}">
-              <a14:hiddenLine xmlns="" xmlns:a14="http://schemas.microsoft.com/office/drawing/2010/main" w="9525">
+              <a14:hiddenLine xmlns:a14="http://schemas.microsoft.com/office/drawing/2010/main" xmlns="" w="9525">
                 <a:solidFill>
                   <a:srgbClr val="000000"/>
                 </a:solidFill>
@@ -10734,7 +11603,7 @@
               </a14:hiddenLine>
             </a:ext>
             <a:ext uri="{FAA26D3D-D897-4be2-8F04-BA451C77F1D7}">
-              <ma14:placeholderFlag xmlns="" xmlns:ma14="http://schemas.microsoft.com/office/mac/drawingml/2011/main" val="1"/>
+              <ma14:placeholderFlag xmlns:ma14="http://schemas.microsoft.com/office/mac/drawingml/2011/main" xmlns="" val="1"/>
             </a:ext>
           </a:extLst>
         </p:spPr>
@@ -11359,7 +12228,7 @@
           </a:ln>
           <a:extLst>
             <a:ext uri="{91240B29-F687-4f45-9708-019B960494DF}">
-              <a14:hiddenLine xmlns="" xmlns:a14="http://schemas.microsoft.com/office/drawing/2010/main" w="9525">
+              <a14:hiddenLine xmlns:a14="http://schemas.microsoft.com/office/drawing/2010/main" xmlns="" w="9525">
                 <a:solidFill>
                   <a:srgbClr val="000000"/>
                 </a:solidFill>
@@ -11506,14 +12375,14 @@
           </a:ln>
           <a:extLst>
             <a:ext uri="{909E8E84-426E-40dd-AFC4-6F175D3DCCD1}">
-              <a14:hiddenFill xmlns="" xmlns:a14="http://schemas.microsoft.com/office/drawing/2010/main">
+              <a14:hiddenFill xmlns:a14="http://schemas.microsoft.com/office/drawing/2010/main" xmlns="">
                 <a:solidFill>
                   <a:srgbClr val="FFFFFF"/>
                 </a:solidFill>
               </a14:hiddenFill>
             </a:ext>
             <a:ext uri="{91240B29-F687-4f45-9708-019B960494DF}">
-              <a14:hiddenLine xmlns="" xmlns:a14="http://schemas.microsoft.com/office/drawing/2010/main" w="9525">
+              <a14:hiddenLine xmlns:a14="http://schemas.microsoft.com/office/drawing/2010/main" xmlns="" w="9525">
                 <a:solidFill>
                   <a:srgbClr val="000000"/>
                 </a:solidFill>
@@ -11523,7 +12392,7 @@
               </a14:hiddenLine>
             </a:ext>
             <a:ext uri="{FAA26D3D-D897-4be2-8F04-BA451C77F1D7}">
-              <ma14:placeholderFlag xmlns="" xmlns:ma14="http://schemas.microsoft.com/office/mac/drawingml/2011/main" val="1"/>
+              <ma14:placeholderFlag xmlns:ma14="http://schemas.microsoft.com/office/mac/drawingml/2011/main" xmlns="" val="1"/>
             </a:ext>
           </a:extLst>
         </p:spPr>
@@ -12662,7 +13531,7 @@
           <p:cNvPr id="2" name="TextBox 1">
             <a:extLst>
               <a:ext uri="{FF2B5EF4-FFF2-40B4-BE49-F238E27FC236}">
-                <a16:creationId xmlns:a16="http://schemas.microsoft.com/office/drawing/2014/main" xmlns="" id="{D40CFE44-2141-7E4E-AE6F-F5B37447BEAB}"/>
+                <a16:creationId xmlns:a16="http://schemas.microsoft.com/office/drawing/2014/main" id="{D40CFE44-2141-7E4E-AE6F-F5B37447BEAB}"/>
               </a:ext>
             </a:extLst>
           </p:cNvPr>
@@ -12741,7 +13610,138 @@
       </p:grpSpPr>
       <p:sp>
         <p:nvSpPr>
-          <p:cNvPr id="14337" name="Title 1"/>
+          <p:cNvPr id="3" name="Content Placeholder 2"/>
+          <p:cNvSpPr>
+            <a:spLocks noGrp="1"/>
+          </p:cNvSpPr>
+          <p:nvPr>
+            <p:ph idx="1"/>
+          </p:nvPr>
+        </p:nvSpPr>
+        <p:spPr/>
+        <p:txBody>
+          <a:bodyPr>
+            <a:normAutofit fontScale="92500" lnSpcReduction="10000"/>
+          </a:bodyPr>
+          <a:lstStyle/>
+          <a:p>
+            <a:pPr lvl="1"/>
+            <a:r>
+              <a:rPr lang="x-none" sz="2200" dirty="0">
+                <a:ea typeface="ＭＳ Ｐゴシック" charset="0"/>
+              </a:rPr>
+              <a:t>Data Conditioning</a:t>
+            </a:r>
+            <a:r>
+              <a:rPr lang="en-US" sz="2200" dirty="0">
+                <a:ea typeface="ＭＳ Ｐゴシック" charset="0"/>
+              </a:rPr>
+              <a:t> </a:t>
+            </a:r>
+          </a:p>
+          <a:p>
+            <a:pPr lvl="2"/>
+            <a:r>
+              <a:rPr lang="en-US" sz="2200" dirty="0">
+                <a:ea typeface="ＭＳ Ｐゴシック" charset="0"/>
+              </a:rPr>
+              <a:t>Goal: Time align input data with truth data for accurate error estimates of ML, SGP4, and Truth Data orbital satellite position comparisons </a:t>
+            </a:r>
+          </a:p>
+          <a:p>
+            <a:pPr lvl="2"/>
+            <a:r>
+              <a:rPr lang="en-US" sz="2200" dirty="0">
+                <a:ea typeface="ＭＳ Ｐゴシック" charset="0"/>
+              </a:rPr>
+              <a:t>Technical Approach: </a:t>
+            </a:r>
+            <a:r>
+              <a:rPr lang="en-US" sz="2200" dirty="0">
+                <a:solidFill>
+                  <a:srgbClr val="FF0000"/>
+                </a:solidFill>
+                <a:ea typeface="ＭＳ Ｐゴシック" charset="0"/>
+              </a:rPr>
+              <a:t>Oversample the truth data via interpolation and extract data points from the truth data that closely matches input data</a:t>
+            </a:r>
+            <a:r>
+              <a:rPr lang="en-US" sz="2200" dirty="0" smtClean="0">
+                <a:solidFill>
+                  <a:srgbClr val="FF0000"/>
+                </a:solidFill>
+                <a:ea typeface="ＭＳ Ｐゴシック" charset="0"/>
+              </a:rPr>
+              <a:t>.</a:t>
+            </a:r>
+          </a:p>
+          <a:p>
+            <a:pPr lvl="2" indent="0">
+              <a:buNone/>
+            </a:pPr>
+            <a:endParaRPr lang="en-US" sz="2200" dirty="0" smtClean="0">
+              <a:ea typeface="ＭＳ Ｐゴシック" charset="0"/>
+            </a:endParaRPr>
+          </a:p>
+          <a:p>
+            <a:pPr lvl="1"/>
+            <a:r>
+              <a:rPr lang="x-none" sz="2200" dirty="0" smtClean="0">
+                <a:ea typeface="ＭＳ Ｐゴシック" charset="0"/>
+              </a:rPr>
+              <a:t>Feature </a:t>
+            </a:r>
+            <a:r>
+              <a:rPr lang="x-none" sz="2200" dirty="0">
+                <a:ea typeface="ＭＳ Ｐゴシック" charset="0"/>
+              </a:rPr>
+              <a:t>Extraction</a:t>
+            </a:r>
+            <a:r>
+              <a:rPr lang="en-US" sz="2200" dirty="0">
+                <a:ea typeface="ＭＳ Ｐゴシック" charset="0"/>
+              </a:rPr>
+              <a:t> </a:t>
+            </a:r>
+          </a:p>
+          <a:p>
+            <a:pPr lvl="2"/>
+            <a:r>
+              <a:rPr lang="en-US" sz="2200" dirty="0">
+                <a:ea typeface="ＭＳ Ｐゴシック" charset="0"/>
+              </a:rPr>
+              <a:t>Goal: Extract the 6 necessary </a:t>
+            </a:r>
+            <a:r>
+              <a:rPr lang="en-US" sz="2200" dirty="0" err="1">
+                <a:ea typeface="ＭＳ Ｐゴシック" charset="0"/>
+              </a:rPr>
+              <a:t>Keplerian</a:t>
+            </a:r>
+            <a:r>
+              <a:rPr lang="en-US" sz="2200" dirty="0">
+                <a:ea typeface="ＭＳ Ｐゴシック" charset="0"/>
+              </a:rPr>
+              <a:t> elements to predict an orbit of a LEO satellite</a:t>
+            </a:r>
+          </a:p>
+          <a:p>
+            <a:pPr lvl="2"/>
+            <a:r>
+              <a:rPr lang="en-US" sz="2200" dirty="0">
+                <a:ea typeface="ＭＳ Ｐゴシック" charset="0"/>
+              </a:rPr>
+              <a:t>Technical Approach: Obtain data from data conditioning to ensure truth data and input data (i.e. Epoch) are in similar units for Modeling/Prediction phase.</a:t>
+            </a:r>
+          </a:p>
+          <a:p>
+            <a:endParaRPr lang="en-US" dirty="0"/>
+          </a:p>
+        </p:txBody>
+      </p:sp>
+      <p:sp>
+        <p:nvSpPr>
+          <p:cNvPr id="5" name="Title 1"/>
           <p:cNvSpPr>
             <a:spLocks noGrp="1" noChangeArrowheads="1"/>
           </p:cNvSpPr>
@@ -12756,112 +13756,24 @@
           <a:p>
             <a:pPr eaLnBrk="1" hangingPunct="1"/>
             <a:r>
-              <a:rPr lang="en-US" dirty="0"/>
-              <a:t>Results</a:t>
-            </a:r>
-          </a:p>
-        </p:txBody>
-      </p:sp>
-      <p:sp>
-        <p:nvSpPr>
-          <p:cNvPr id="14338" name="Content Placeholder 2"/>
-          <p:cNvSpPr>
-            <a:spLocks noGrp="1"/>
-          </p:cNvSpPr>
-          <p:nvPr>
-            <p:ph idx="1"/>
-          </p:nvPr>
-        </p:nvSpPr>
-        <p:spPr>
-          <a:xfrm>
-            <a:off x="149225" y="1200150"/>
-            <a:ext cx="8858250" cy="3394075"/>
-          </a:xfrm>
-        </p:spPr>
-        <p:txBody>
-          <a:bodyPr>
-            <a:normAutofit/>
-          </a:bodyPr>
-          <a:lstStyle/>
-          <a:p>
-            <a:pPr eaLnBrk="1" hangingPunct="1">
-              <a:lnSpc>
-                <a:spcPct val="80000"/>
-              </a:lnSpc>
-              <a:buFont typeface="Wingdings" pitchFamily="2" charset="2"/>
-              <a:buChar char="§"/>
-            </a:pPr>
-            <a:r>
-              <a:rPr lang="en-US" sz="2200" dirty="0"/>
-              <a:t>Describe the results obtained for each task </a:t>
-            </a:r>
-          </a:p>
-          <a:p>
-            <a:pPr eaLnBrk="1" hangingPunct="1">
-              <a:lnSpc>
-                <a:spcPct val="80000"/>
-              </a:lnSpc>
-              <a:buFont typeface="Wingdings" pitchFamily="2" charset="2"/>
-              <a:buChar char="§"/>
-            </a:pPr>
-            <a:r>
-              <a:rPr lang="en-US" sz="2200" dirty="0"/>
-              <a:t>This is the main focus of the presentation.  Positive or negative results should be presented with the details so that the reviewers will understand why the project is successful or runs into challenges. </a:t>
-            </a:r>
-          </a:p>
-          <a:p>
-            <a:pPr marL="0" indent="0" eaLnBrk="1" hangingPunct="1">
-              <a:lnSpc>
-                <a:spcPct val="80000"/>
-              </a:lnSpc>
-              <a:buNone/>
-            </a:pPr>
-            <a:endParaRPr lang="en-US" sz="2200" dirty="0"/>
-          </a:p>
-          <a:p>
-            <a:pPr marL="0" indent="0" eaLnBrk="1" hangingPunct="1">
-              <a:lnSpc>
-                <a:spcPct val="80000"/>
-              </a:lnSpc>
-              <a:buNone/>
-            </a:pPr>
-            <a:endParaRPr lang="en-US" sz="2200" dirty="0"/>
-          </a:p>
-          <a:p>
-            <a:pPr marL="0" indent="0" eaLnBrk="1" hangingPunct="1">
-              <a:lnSpc>
-                <a:spcPct val="80000"/>
-              </a:lnSpc>
-              <a:buNone/>
-            </a:pPr>
-            <a:r>
-              <a:rPr lang="en-US" sz="2200" dirty="0"/>
-              <a:t>Note: Plots and graphs are encouraged to use.  However, do not just cut-and-paste the </a:t>
-            </a:r>
-            <a:r>
-              <a:rPr lang="en-US" sz="2200" dirty="0" err="1"/>
-              <a:t>matlab</a:t>
-            </a:r>
-            <a:r>
-              <a:rPr lang="en-US" sz="2200" dirty="0"/>
-              <a:t> output to presentation as is.  The axis labels can be “enhanced” in the PowerPoint to help the reviewers to view the results.  </a:t>
-            </a:r>
-          </a:p>
-          <a:p>
-            <a:pPr eaLnBrk="1" hangingPunct="1">
-              <a:lnSpc>
-                <a:spcPct val="80000"/>
-              </a:lnSpc>
-              <a:buFont typeface="Wingdings" pitchFamily="2" charset="2"/>
-              <a:buChar char="§"/>
-            </a:pPr>
-            <a:endParaRPr sz="2200" dirty="0"/>
+              <a:rPr lang="en-US" dirty="0" smtClean="0"/>
+              <a:t>Tasks – </a:t>
+            </a:r>
+            <a:r>
+              <a:rPr lang="en-US" dirty="0" err="1" smtClean="0"/>
+              <a:t>Cnt</a:t>
+            </a:r>
+            <a:r>
+              <a:rPr lang="en-US" dirty="0" smtClean="0"/>
+              <a:t>.</a:t>
+            </a:r>
+            <a:endParaRPr lang="en-US" dirty="0"/>
           </a:p>
         </p:txBody>
       </p:sp>
       <p:pic>
         <p:nvPicPr>
-          <p:cNvPr id="14339" name="Picture 4"/>
+          <p:cNvPr id="6" name="Picture 4"/>
           <p:cNvPicPr>
             <a:picLocks noChangeAspect="1" noChangeArrowheads="1"/>
           </p:cNvPicPr>
@@ -12894,14 +13806,14 @@
           </a:ln>
           <a:extLst>
             <a:ext uri="{909E8E84-426E-40dd-AFC4-6F175D3DCCD1}">
-              <a14:hiddenFill xmlns="" xmlns:a14="http://schemas.microsoft.com/office/drawing/2010/main">
+              <a14:hiddenFill xmlns:a14="http://schemas.microsoft.com/office/drawing/2010/main" xmlns="">
                 <a:solidFill>
                   <a:srgbClr val="FFFFFF"/>
                 </a:solidFill>
               </a14:hiddenFill>
             </a:ext>
             <a:ext uri="{91240B29-F687-4f45-9708-019B960494DF}">
-              <a14:hiddenLine xmlns="" xmlns:a14="http://schemas.microsoft.com/office/drawing/2010/main" w="9525">
+              <a14:hiddenLine xmlns:a14="http://schemas.microsoft.com/office/drawing/2010/main" xmlns="" w="9525">
                 <a:solidFill>
                   <a:srgbClr val="000000"/>
                 </a:solidFill>
@@ -12916,7 +13828,7 @@
     </p:spTree>
     <p:extLst>
       <p:ext uri="{BB962C8B-B14F-4D97-AF65-F5344CB8AC3E}">
-        <p14:creationId xmlns:p14="http://schemas.microsoft.com/office/powerpoint/2010/main" val="3548155245"/>
+        <p14:creationId xmlns:p14="http://schemas.microsoft.com/office/powerpoint/2010/main" val="2877094271"/>
       </p:ext>
     </p:extLst>
   </p:cSld>
@@ -12945,7 +13857,71 @@
       </p:grpSpPr>
       <p:sp>
         <p:nvSpPr>
-          <p:cNvPr id="14337" name="Title 1"/>
+          <p:cNvPr id="3" name="Content Placeholder 2"/>
+          <p:cNvSpPr>
+            <a:spLocks noGrp="1"/>
+          </p:cNvSpPr>
+          <p:nvPr>
+            <p:ph idx="1"/>
+          </p:nvPr>
+        </p:nvSpPr>
+        <p:spPr/>
+        <p:txBody>
+          <a:bodyPr/>
+          <a:lstStyle/>
+          <a:p>
+            <a:pPr lvl="1"/>
+            <a:r>
+              <a:rPr lang="x-none" sz="2200" dirty="0">
+                <a:ea typeface="ＭＳ Ｐゴシック" charset="0"/>
+              </a:rPr>
+              <a:t>Modeling/Prediction</a:t>
+            </a:r>
+            <a:r>
+              <a:rPr lang="en-US" sz="2200" dirty="0">
+                <a:ea typeface="ＭＳ Ｐゴシック" charset="0"/>
+              </a:rPr>
+              <a:t> </a:t>
+            </a:r>
+          </a:p>
+          <a:p>
+            <a:pPr lvl="2"/>
+            <a:r>
+              <a:rPr lang="en-US" sz="2200" dirty="0">
+                <a:ea typeface="ＭＳ Ｐゴシック" charset="0"/>
+              </a:rPr>
+              <a:t>Goal: Determine orbital errors caused by perturbations of LEO satellites to increase the accuracy of satellite position predictions.</a:t>
+            </a:r>
+          </a:p>
+          <a:p>
+            <a:pPr lvl="2"/>
+            <a:r>
+              <a:rPr lang="en-US" sz="2200" dirty="0">
+                <a:ea typeface="ＭＳ Ｐゴシック" charset="0"/>
+              </a:rPr>
+              <a:t>Technical Approach: Use supervised SVM ML approach to predict future orbital position. Determine </a:t>
+            </a:r>
+            <a:r>
+              <a:rPr lang="en-US" sz="2200" dirty="0" err="1">
+                <a:ea typeface="ＭＳ Ｐゴシック" charset="0"/>
+              </a:rPr>
+              <a:t>pososisiton</a:t>
+            </a:r>
+            <a:r>
+              <a:rPr lang="en-US" sz="2200" dirty="0">
+                <a:ea typeface="ＭＳ Ｐゴシック" charset="0"/>
+              </a:rPr>
+              <a:t> errors obtained by both SVM ML approach and SGP4 physics based approach when compared to ILRS truth data.</a:t>
+            </a:r>
+          </a:p>
+          <a:p>
+            <a:endParaRPr lang="en-US" dirty="0"/>
+          </a:p>
+        </p:txBody>
+      </p:sp>
+      <p:sp>
+        <p:nvSpPr>
+          <p:cNvPr id="5" name="Title 1"/>
           <p:cNvSpPr>
             <a:spLocks noGrp="1" noChangeArrowheads="1"/>
           </p:cNvSpPr>
@@ -12960,100 +13936,24 @@
           <a:p>
             <a:pPr eaLnBrk="1" hangingPunct="1"/>
             <a:r>
-              <a:rPr lang="en-US" dirty="0"/>
-              <a:t>Conclusions</a:t>
-            </a:r>
-          </a:p>
-        </p:txBody>
-      </p:sp>
-      <p:sp>
-        <p:nvSpPr>
-          <p:cNvPr id="14338" name="Content Placeholder 2"/>
-          <p:cNvSpPr>
-            <a:spLocks noGrp="1"/>
-          </p:cNvSpPr>
-          <p:nvPr>
-            <p:ph idx="1"/>
-          </p:nvPr>
-        </p:nvSpPr>
-        <p:spPr>
-          <a:xfrm>
-            <a:off x="149225" y="1200150"/>
-            <a:ext cx="8858250" cy="3557588"/>
-          </a:xfrm>
-        </p:spPr>
-        <p:txBody>
-          <a:bodyPr>
-            <a:noAutofit/>
-          </a:bodyPr>
-          <a:lstStyle/>
-          <a:p>
-            <a:pPr eaLnBrk="1" hangingPunct="1">
-              <a:lnSpc>
-                <a:spcPct val="80000"/>
-              </a:lnSpc>
-              <a:buFont typeface="Wingdings" pitchFamily="2" charset="2"/>
-              <a:buChar char="§"/>
-            </a:pPr>
-            <a:r>
-              <a:rPr lang="en-US" dirty="0"/>
-              <a:t>Based on the results of each task, you conclude whether the project objective has been accomplished.</a:t>
-            </a:r>
-          </a:p>
-          <a:p>
-            <a:pPr eaLnBrk="1" hangingPunct="1">
-              <a:lnSpc>
-                <a:spcPct val="80000"/>
-              </a:lnSpc>
-              <a:buFont typeface="Wingdings" pitchFamily="2" charset="2"/>
-              <a:buChar char="§"/>
-            </a:pPr>
-            <a:r>
-              <a:rPr lang="en-US" dirty="0"/>
-              <a:t>Include lessons-learned and recommendations for future works.</a:t>
-            </a:r>
-          </a:p>
-          <a:p>
-            <a:pPr eaLnBrk="1" hangingPunct="1">
-              <a:lnSpc>
-                <a:spcPct val="80000"/>
-              </a:lnSpc>
-              <a:buFont typeface="Wingdings" pitchFamily="2" charset="2"/>
-              <a:buChar char="§"/>
-            </a:pPr>
-            <a:r>
-              <a:rPr lang="en-US" sz="2200" dirty="0"/>
-              <a:t>This section is where the team convinces the reviewers that the project is well done, regardless the positive or the negative results. </a:t>
-            </a:r>
-          </a:p>
-          <a:p>
-            <a:pPr eaLnBrk="1" hangingPunct="1">
-              <a:lnSpc>
-                <a:spcPct val="80000"/>
-              </a:lnSpc>
-              <a:buFont typeface="Wingdings" pitchFamily="2" charset="2"/>
-              <a:buChar char="§"/>
-            </a:pPr>
-            <a:r>
-              <a:rPr lang="en-US" sz="2200" dirty="0"/>
-              <a:t>The accomplishment of the project will be assessed in terms of the details of the task execution and the result analysis, the understanding of the challenges encountered during the project execution, the conclusion drawn from the results, and the plan for further studies in the area of the proposed project.  </a:t>
-            </a:r>
-          </a:p>
-          <a:p>
-            <a:pPr eaLnBrk="1" hangingPunct="1">
-              <a:lnSpc>
-                <a:spcPct val="80000"/>
-              </a:lnSpc>
-              <a:buFont typeface="Wingdings" pitchFamily="2" charset="2"/>
-              <a:buChar char="§"/>
-            </a:pPr>
-            <a:endParaRPr sz="2200" dirty="0"/>
+              <a:rPr lang="en-US" dirty="0" smtClean="0"/>
+              <a:t>Tasks – </a:t>
+            </a:r>
+            <a:r>
+              <a:rPr lang="en-US" dirty="0" err="1" smtClean="0"/>
+              <a:t>Cnt</a:t>
+            </a:r>
+            <a:r>
+              <a:rPr lang="en-US" dirty="0" smtClean="0"/>
+              <a:t>.</a:t>
+            </a:r>
+            <a:endParaRPr lang="en-US" dirty="0"/>
           </a:p>
         </p:txBody>
       </p:sp>
       <p:pic>
         <p:nvPicPr>
-          <p:cNvPr id="14339" name="Picture 4"/>
+          <p:cNvPr id="6" name="Picture 4"/>
           <p:cNvPicPr>
             <a:picLocks noChangeAspect="1" noChangeArrowheads="1"/>
           </p:cNvPicPr>
@@ -13086,14 +13986,14 @@
           </a:ln>
           <a:extLst>
             <a:ext uri="{909E8E84-426E-40dd-AFC4-6F175D3DCCD1}">
-              <a14:hiddenFill xmlns="" xmlns:a14="http://schemas.microsoft.com/office/drawing/2010/main">
+              <a14:hiddenFill xmlns:a14="http://schemas.microsoft.com/office/drawing/2010/main" xmlns="">
                 <a:solidFill>
                   <a:srgbClr val="FFFFFF"/>
                 </a:solidFill>
               </a14:hiddenFill>
             </a:ext>
             <a:ext uri="{91240B29-F687-4f45-9708-019B960494DF}">
-              <a14:hiddenLine xmlns="" xmlns:a14="http://schemas.microsoft.com/office/drawing/2010/main" w="9525">
+              <a14:hiddenLine xmlns:a14="http://schemas.microsoft.com/office/drawing/2010/main" xmlns="" w="9525">
                 <a:solidFill>
                   <a:srgbClr val="000000"/>
                 </a:solidFill>
@@ -13108,7 +14008,7 @@
     </p:spTree>
     <p:extLst>
       <p:ext uri="{BB962C8B-B14F-4D97-AF65-F5344CB8AC3E}">
-        <p14:creationId xmlns:p14="http://schemas.microsoft.com/office/powerpoint/2010/main" val="2075041206"/>
+        <p14:creationId xmlns:p14="http://schemas.microsoft.com/office/powerpoint/2010/main" val="2834154194"/>
       </p:ext>
     </p:extLst>
   </p:cSld>
@@ -13153,7 +14053,7 @@
             <a:pPr eaLnBrk="1" hangingPunct="1"/>
             <a:r>
               <a:rPr lang="en-US" dirty="0"/>
-              <a:t>Summary</a:t>
+              <a:t>Results</a:t>
             </a:r>
           </a:p>
         </p:txBody>
@@ -13171,7 +14071,7 @@
         <p:spPr>
           <a:xfrm>
             <a:off x="149225" y="1200150"/>
-            <a:ext cx="8858250" cy="3394075"/>
+            <a:ext cx="8858250" cy="3878477"/>
           </a:xfrm>
         </p:spPr>
         <p:txBody>
@@ -13188,17 +14088,722 @@
               <a:buChar char="§"/>
             </a:pPr>
             <a:r>
+              <a:rPr lang="en-US" sz="2200" dirty="0" smtClean="0"/>
+              <a:t>Results obtained for each task in the ML paradigm:</a:t>
+            </a:r>
+          </a:p>
+          <a:p>
+            <a:pPr lvl="1" eaLnBrk="1" hangingPunct="1">
+              <a:lnSpc>
+                <a:spcPct val="80000"/>
+              </a:lnSpc>
+              <a:buFont typeface="Wingdings" pitchFamily="2" charset="2"/>
+              <a:buChar char="§"/>
+            </a:pPr>
+            <a:r>
+              <a:rPr lang="en-US" sz="2200" b="1" u="sng" dirty="0" smtClean="0"/>
+              <a:t>Sensor and Signal Capture: </a:t>
+            </a:r>
+            <a:r>
+              <a:rPr lang="en-US" sz="2200" dirty="0" smtClean="0"/>
+              <a:t>Was able to successfully obtain TLE Input (</a:t>
+            </a:r>
+            <a:r>
+              <a:rPr lang="en-US" sz="2200" dirty="0" err="1" smtClean="0"/>
+              <a:t>Celestrak</a:t>
+            </a:r>
+            <a:r>
+              <a:rPr lang="en-US" sz="2200" dirty="0" smtClean="0"/>
+              <a:t>) and TLE Truth Data (ILRS) from online sources</a:t>
+            </a:r>
+            <a:endParaRPr lang="en-US" sz="2200" dirty="0"/>
+          </a:p>
+          <a:p>
+            <a:pPr marL="282575" lvl="1" indent="0" eaLnBrk="1" hangingPunct="1">
+              <a:lnSpc>
+                <a:spcPct val="80000"/>
+              </a:lnSpc>
+              <a:buNone/>
+            </a:pPr>
+            <a:endParaRPr lang="en-US" sz="2200" dirty="0" smtClean="0"/>
+          </a:p>
+          <a:p>
+            <a:pPr lvl="1" eaLnBrk="1" hangingPunct="1">
+              <a:lnSpc>
+                <a:spcPct val="80000"/>
+              </a:lnSpc>
+              <a:buFont typeface="Wingdings" pitchFamily="2" charset="2"/>
+              <a:buChar char="§"/>
+            </a:pPr>
+            <a:r>
+              <a:rPr lang="en-US" sz="2200" b="1" u="sng" dirty="0" smtClean="0"/>
+              <a:t>Data Conditioning: </a:t>
+            </a:r>
+            <a:r>
+              <a:rPr lang="en-US" sz="2200" dirty="0" smtClean="0"/>
+              <a:t>Ran into issue of the TLE truth data being sampled at 1 sample/240 seconds, for a total of 360 points per day. The TLE input data only collected 3 samples per day at random time intervals.</a:t>
+            </a:r>
+          </a:p>
+          <a:p>
+            <a:pPr lvl="2" eaLnBrk="1" hangingPunct="1">
+              <a:lnSpc>
+                <a:spcPct val="80000"/>
+              </a:lnSpc>
+              <a:buFont typeface="Wingdings" pitchFamily="2" charset="2"/>
+              <a:buChar char="§"/>
+            </a:pPr>
+            <a:r>
+              <a:rPr lang="en-US" sz="1000" dirty="0" smtClean="0">
+                <a:solidFill>
+                  <a:srgbClr val="FF0000"/>
+                </a:solidFill>
+              </a:rPr>
+              <a:t>(Insert Plots showing how TLE truth looks smooth and Input doesn’t)</a:t>
+            </a:r>
+          </a:p>
+          <a:p>
+            <a:pPr lvl="2" indent="0" eaLnBrk="1" hangingPunct="1">
+              <a:lnSpc>
+                <a:spcPct val="80000"/>
+              </a:lnSpc>
+              <a:buNone/>
+            </a:pPr>
+            <a:endParaRPr lang="en-US" sz="2200" dirty="0" smtClean="0"/>
+          </a:p>
+          <a:p>
+            <a:pPr marL="282575" lvl="1" indent="0" eaLnBrk="1" hangingPunct="1">
+              <a:lnSpc>
+                <a:spcPct val="80000"/>
+              </a:lnSpc>
+              <a:buNone/>
+            </a:pPr>
+            <a:endParaRPr lang="en-US" sz="2200" dirty="0" smtClean="0"/>
+          </a:p>
+          <a:p>
+            <a:pPr marL="282575" lvl="1" indent="0" eaLnBrk="1" hangingPunct="1">
+              <a:lnSpc>
+                <a:spcPct val="80000"/>
+              </a:lnSpc>
+              <a:buNone/>
+            </a:pPr>
+            <a:endParaRPr lang="en-US" sz="2200" dirty="0"/>
+          </a:p>
+          <a:p>
+            <a:pPr eaLnBrk="1" hangingPunct="1">
+              <a:lnSpc>
+                <a:spcPct val="80000"/>
+              </a:lnSpc>
+              <a:buFont typeface="Wingdings" pitchFamily="2" charset="2"/>
+              <a:buChar char="§"/>
+            </a:pPr>
+            <a:endParaRPr sz="2200" dirty="0"/>
+          </a:p>
+        </p:txBody>
+      </p:sp>
+      <p:pic>
+        <p:nvPicPr>
+          <p:cNvPr id="14339" name="Picture 4"/>
+          <p:cNvPicPr>
+            <a:picLocks noChangeAspect="1" noChangeArrowheads="1"/>
+          </p:cNvPicPr>
+          <p:nvPr/>
+        </p:nvPicPr>
+        <p:blipFill>
+          <a:blip r:embed="rId3">
+            <a:extLst>
+              <a:ext uri="{28A0092B-C50C-407E-A947-70E740481C1C}">
+                <a14:useLocalDpi xmlns:a14="http://schemas.microsoft.com/office/drawing/2010/main" val="0"/>
+              </a:ext>
+            </a:extLst>
+          </a:blip>
+          <a:srcRect/>
+          <a:stretch>
+            <a:fillRect/>
+          </a:stretch>
+        </p:blipFill>
+        <p:spPr bwMode="auto">
+          <a:xfrm>
+            <a:off x="8115300" y="4757738"/>
+            <a:ext cx="971550" cy="374650"/>
+          </a:xfrm>
+          <a:prstGeom prst="rect">
+            <a:avLst/>
+          </a:prstGeom>
+          <a:noFill/>
+          <a:ln>
+            <a:noFill/>
+          </a:ln>
+          <a:extLst>
+            <a:ext uri="{909E8E84-426E-40dd-AFC4-6F175D3DCCD1}">
+              <a14:hiddenFill xmlns:a14="http://schemas.microsoft.com/office/drawing/2010/main" xmlns="">
+                <a:solidFill>
+                  <a:srgbClr val="FFFFFF"/>
+                </a:solidFill>
+              </a14:hiddenFill>
+            </a:ext>
+            <a:ext uri="{91240B29-F687-4f45-9708-019B960494DF}">
+              <a14:hiddenLine xmlns:a14="http://schemas.microsoft.com/office/drawing/2010/main" xmlns="" w="9525">
+                <a:solidFill>
+                  <a:srgbClr val="000000"/>
+                </a:solidFill>
+                <a:miter lim="800000"/>
+                <a:headEnd/>
+                <a:tailEnd/>
+              </a14:hiddenLine>
+            </a:ext>
+          </a:extLst>
+        </p:spPr>
+      </p:pic>
+      <p:pic>
+        <p:nvPicPr>
+          <p:cNvPr id="2" name="Picture 1"/>
+          <p:cNvPicPr>
+            <a:picLocks noChangeAspect="1"/>
+          </p:cNvPicPr>
+          <p:nvPr/>
+        </p:nvPicPr>
+        <p:blipFill>
+          <a:blip r:embed="rId4"/>
+          <a:stretch>
+            <a:fillRect/>
+          </a:stretch>
+        </p:blipFill>
+        <p:spPr>
+          <a:xfrm>
+            <a:off x="5018881" y="3660964"/>
+            <a:ext cx="3745706" cy="957709"/>
+          </a:xfrm>
+          <a:prstGeom prst="rect">
+            <a:avLst/>
+          </a:prstGeom>
+        </p:spPr>
+      </p:pic>
+      <p:pic>
+        <p:nvPicPr>
+          <p:cNvPr id="3" name="Picture 2"/>
+          <p:cNvPicPr>
+            <a:picLocks noChangeAspect="1"/>
+          </p:cNvPicPr>
+          <p:nvPr/>
+        </p:nvPicPr>
+        <p:blipFill>
+          <a:blip r:embed="rId5"/>
+          <a:stretch>
+            <a:fillRect/>
+          </a:stretch>
+        </p:blipFill>
+        <p:spPr>
+          <a:xfrm>
+            <a:off x="794543" y="3672532"/>
+            <a:ext cx="3981450" cy="946141"/>
+          </a:xfrm>
+          <a:prstGeom prst="rect">
+            <a:avLst/>
+          </a:prstGeom>
+        </p:spPr>
+      </p:pic>
+      <p:sp>
+        <p:nvSpPr>
+          <p:cNvPr id="7" name="TextBox 6"/>
+          <p:cNvSpPr txBox="1"/>
+          <p:nvPr/>
+        </p:nvSpPr>
+        <p:spPr>
+          <a:xfrm>
+            <a:off x="1585119" y="4618673"/>
+            <a:ext cx="2993231" cy="276999"/>
+          </a:xfrm>
+          <a:prstGeom prst="rect">
+            <a:avLst/>
+          </a:prstGeom>
+          <a:noFill/>
+        </p:spPr>
+        <p:txBody>
+          <a:bodyPr wrap="square" rtlCol="0">
+            <a:spAutoFit/>
+          </a:bodyPr>
+          <a:lstStyle/>
+          <a:p>
+            <a:r>
+              <a:rPr lang="en-US" sz="1200" i="1" dirty="0" smtClean="0"/>
+              <a:t>Composition of TLE Truth Data</a:t>
+            </a:r>
+            <a:endParaRPr lang="en-US" sz="1200" i="1" dirty="0"/>
+          </a:p>
+        </p:txBody>
+      </p:sp>
+      <p:sp>
+        <p:nvSpPr>
+          <p:cNvPr id="8" name="TextBox 7"/>
+          <p:cNvSpPr txBox="1"/>
+          <p:nvPr/>
+        </p:nvSpPr>
+        <p:spPr>
+          <a:xfrm>
+            <a:off x="5659439" y="4574117"/>
+            <a:ext cx="2813050" cy="276999"/>
+          </a:xfrm>
+          <a:prstGeom prst="rect">
+            <a:avLst/>
+          </a:prstGeom>
+          <a:noFill/>
+        </p:spPr>
+        <p:txBody>
+          <a:bodyPr wrap="square" rtlCol="0">
+            <a:spAutoFit/>
+          </a:bodyPr>
+          <a:lstStyle/>
+          <a:p>
+            <a:r>
+              <a:rPr lang="en-US" sz="1200" i="1" dirty="0" smtClean="0"/>
+              <a:t>Composition of TLE Input Data</a:t>
+            </a:r>
+            <a:endParaRPr lang="en-US" sz="1200" i="1" dirty="0"/>
+          </a:p>
+        </p:txBody>
+      </p:sp>
+    </p:spTree>
+    <p:extLst>
+      <p:ext uri="{BB962C8B-B14F-4D97-AF65-F5344CB8AC3E}">
+        <p14:creationId xmlns:p14="http://schemas.microsoft.com/office/powerpoint/2010/main" val="3548155245"/>
+      </p:ext>
+    </p:extLst>
+  </p:cSld>
+  <p:clrMapOvr>
+    <a:masterClrMapping/>
+  </p:clrMapOvr>
+</p:sld>
+</file>
+
+<file path=ppt/slides/slide13.xml><?xml version="1.0" encoding="utf-8"?>
+<p:sld xmlns:a="http://schemas.openxmlformats.org/drawingml/2006/main" xmlns:r="http://schemas.openxmlformats.org/officeDocument/2006/relationships" xmlns:p="http://schemas.openxmlformats.org/presentationml/2006/main">
+  <p:cSld>
+    <p:spTree>
+      <p:nvGrpSpPr>
+        <p:cNvPr id="1" name=""/>
+        <p:cNvGrpSpPr/>
+        <p:nvPr/>
+      </p:nvGrpSpPr>
+      <p:grpSpPr>
+        <a:xfrm>
+          <a:off x="0" y="0"/>
+          <a:ext cx="0" cy="0"/>
+          <a:chOff x="0" y="0"/>
+          <a:chExt cx="0" cy="0"/>
+        </a:xfrm>
+      </p:grpSpPr>
+      <p:sp>
+        <p:nvSpPr>
+          <p:cNvPr id="2" name="Title 1"/>
+          <p:cNvSpPr>
+            <a:spLocks noGrp="1"/>
+          </p:cNvSpPr>
+          <p:nvPr>
+            <p:ph type="title"/>
+          </p:nvPr>
+        </p:nvSpPr>
+        <p:spPr/>
+        <p:txBody>
+          <a:bodyPr/>
+          <a:lstStyle/>
+          <a:p>
+            <a:r>
+              <a:rPr lang="en-US" dirty="0" smtClean="0"/>
+              <a:t>Results – </a:t>
+            </a:r>
+            <a:r>
+              <a:rPr lang="en-US" dirty="0" err="1" smtClean="0"/>
+              <a:t>Cnt</a:t>
+            </a:r>
+            <a:r>
+              <a:rPr lang="en-US" dirty="0" smtClean="0"/>
+              <a:t>.</a:t>
+            </a:r>
+            <a:endParaRPr lang="en-US" dirty="0"/>
+          </a:p>
+        </p:txBody>
+      </p:sp>
+      <p:sp>
+        <p:nvSpPr>
+          <p:cNvPr id="3" name="Content Placeholder 2"/>
+          <p:cNvSpPr>
+            <a:spLocks noGrp="1"/>
+          </p:cNvSpPr>
+          <p:nvPr>
+            <p:ph idx="1"/>
+          </p:nvPr>
+        </p:nvSpPr>
+        <p:spPr/>
+        <p:txBody>
+          <a:bodyPr>
+            <a:normAutofit fontScale="92500" lnSpcReduction="10000"/>
+          </a:bodyPr>
+          <a:lstStyle/>
+          <a:p>
+            <a:pPr lvl="1" eaLnBrk="1" hangingPunct="1">
+              <a:lnSpc>
+                <a:spcPct val="80000"/>
+              </a:lnSpc>
+              <a:buFont typeface="Wingdings" pitchFamily="2" charset="2"/>
+              <a:buChar char="§"/>
+            </a:pPr>
+            <a:r>
+              <a:rPr lang="en-US" sz="2200" b="1" u="sng" dirty="0"/>
+              <a:t>Feature Extraction </a:t>
+            </a:r>
+          </a:p>
+          <a:p>
+            <a:pPr lvl="2" eaLnBrk="1" hangingPunct="1">
+              <a:lnSpc>
+                <a:spcPct val="80000"/>
+              </a:lnSpc>
+              <a:buFont typeface="Wingdings" pitchFamily="2" charset="2"/>
+              <a:buChar char="§"/>
+            </a:pPr>
+            <a:r>
+              <a:rPr lang="en-US" sz="2200" dirty="0"/>
+              <a:t>Successfully extracted the six necessary 1-D </a:t>
+            </a:r>
+            <a:r>
+              <a:rPr lang="en-US" sz="2200" dirty="0" err="1"/>
+              <a:t>keplerian</a:t>
+            </a:r>
+            <a:r>
+              <a:rPr lang="en-US" sz="2200" dirty="0"/>
+              <a:t> elements to model orbit from TLE </a:t>
+            </a:r>
+            <a:r>
+              <a:rPr lang="en-US" sz="2200" dirty="0" smtClean="0"/>
+              <a:t>data with sample times as close to the truth data as possible. Features of interest are </a:t>
+            </a:r>
+            <a:r>
+              <a:rPr lang="en-US" sz="2200" dirty="0">
+                <a:ea typeface="ＭＳ Ｐゴシック" charset="0"/>
+              </a:rPr>
+              <a:t>Orbit Inclination, Right ascension of ascending node, Eccentricity, Argument of Perigee, Mean anomaly, Mean Motion, and Revolution number at Epoch</a:t>
+            </a:r>
+            <a:endParaRPr lang="en-US" sz="2200" dirty="0" smtClean="0"/>
+          </a:p>
+          <a:p>
+            <a:pPr lvl="2" indent="0" eaLnBrk="1" hangingPunct="1">
+              <a:lnSpc>
+                <a:spcPct val="80000"/>
+              </a:lnSpc>
+              <a:buNone/>
+            </a:pPr>
+            <a:endParaRPr lang="en-US" sz="2200" dirty="0"/>
+          </a:p>
+          <a:p>
+            <a:pPr lvl="1" eaLnBrk="1" hangingPunct="1">
+              <a:lnSpc>
+                <a:spcPct val="80000"/>
+              </a:lnSpc>
+              <a:buFont typeface="Wingdings" pitchFamily="2" charset="2"/>
+              <a:buChar char="§"/>
+            </a:pPr>
+            <a:r>
+              <a:rPr lang="en-US" sz="2200" b="1" u="sng" dirty="0"/>
+              <a:t>SVM Modeling/Prediction: </a:t>
+            </a:r>
+            <a:r>
+              <a:rPr lang="en-US" sz="2200" dirty="0"/>
+              <a:t>(</a:t>
+            </a:r>
+            <a:r>
+              <a:rPr lang="en-US" sz="2200" dirty="0">
+                <a:solidFill>
+                  <a:srgbClr val="FF0000"/>
+                </a:solidFill>
+              </a:rPr>
+              <a:t>Enter Info/Include final plots</a:t>
+            </a:r>
+            <a:r>
+              <a:rPr lang="en-US" sz="2200" dirty="0" smtClean="0"/>
+              <a:t>)</a:t>
+            </a:r>
+          </a:p>
+          <a:p>
+            <a:pPr lvl="2" eaLnBrk="1" hangingPunct="1">
+              <a:lnSpc>
+                <a:spcPct val="80000"/>
+              </a:lnSpc>
+              <a:buFont typeface="Wingdings" pitchFamily="2" charset="2"/>
+              <a:buChar char="§"/>
+            </a:pPr>
+            <a:r>
+              <a:rPr lang="en-US" sz="2200" dirty="0" smtClean="0"/>
+              <a:t>Inputted TLE data and ILRS TLE data were passed through SGP4 model to calculate orbital state vectors of position in the X,Y,Z frame of reference based on their time (epoch)</a:t>
+            </a:r>
+          </a:p>
+          <a:p>
+            <a:pPr lvl="2" eaLnBrk="1" hangingPunct="1">
+              <a:lnSpc>
+                <a:spcPct val="80000"/>
+              </a:lnSpc>
+              <a:buFont typeface="Wingdings" pitchFamily="2" charset="2"/>
+              <a:buChar char="§"/>
+            </a:pPr>
+            <a:r>
+              <a:rPr lang="en-US" sz="2200" dirty="0" smtClean="0">
+                <a:solidFill>
+                  <a:srgbClr val="FF0000"/>
+                </a:solidFill>
+              </a:rPr>
+              <a:t>SVM approach used to determine perturbations errors from supervised learning of historical data.</a:t>
+            </a:r>
+          </a:p>
+          <a:p>
+            <a:pPr lvl="2" eaLnBrk="1" hangingPunct="1">
+              <a:lnSpc>
+                <a:spcPct val="80000"/>
+              </a:lnSpc>
+              <a:buFont typeface="Wingdings" pitchFamily="2" charset="2"/>
+              <a:buChar char="§"/>
+            </a:pPr>
+            <a:r>
+              <a:rPr lang="en-US" sz="2200" dirty="0" smtClean="0">
+                <a:solidFill>
+                  <a:srgbClr val="FF0000"/>
+                </a:solidFill>
+              </a:rPr>
+              <a:t>(Enter 3D orbital picture of SVM approach overlapping with truth data orbital trajectory)</a:t>
+            </a:r>
+            <a:endParaRPr lang="en-US" sz="2200" dirty="0">
+              <a:solidFill>
+                <a:srgbClr val="FF0000"/>
+              </a:solidFill>
+            </a:endParaRPr>
+          </a:p>
+          <a:p>
+            <a:endParaRPr lang="en-US" dirty="0"/>
+          </a:p>
+        </p:txBody>
+      </p:sp>
+      <p:pic>
+        <p:nvPicPr>
+          <p:cNvPr id="5" name="Picture 4"/>
+          <p:cNvPicPr>
+            <a:picLocks noChangeAspect="1" noChangeArrowheads="1"/>
+          </p:cNvPicPr>
+          <p:nvPr/>
+        </p:nvPicPr>
+        <p:blipFill>
+          <a:blip r:embed="rId3">
+            <a:extLst>
+              <a:ext uri="{28A0092B-C50C-407E-A947-70E740481C1C}">
+                <a14:useLocalDpi xmlns:a14="http://schemas.microsoft.com/office/drawing/2010/main" val="0"/>
+              </a:ext>
+            </a:extLst>
+          </a:blip>
+          <a:srcRect/>
+          <a:stretch>
+            <a:fillRect/>
+          </a:stretch>
+        </p:blipFill>
+        <p:spPr bwMode="auto">
+          <a:xfrm>
+            <a:off x="8115300" y="4757738"/>
+            <a:ext cx="971550" cy="374650"/>
+          </a:xfrm>
+          <a:prstGeom prst="rect">
+            <a:avLst/>
+          </a:prstGeom>
+          <a:noFill/>
+          <a:ln>
+            <a:noFill/>
+          </a:ln>
+          <a:extLst>
+            <a:ext uri="{909E8E84-426E-40dd-AFC4-6F175D3DCCD1}">
+              <a14:hiddenFill xmlns:a14="http://schemas.microsoft.com/office/drawing/2010/main" xmlns="">
+                <a:solidFill>
+                  <a:srgbClr val="FFFFFF"/>
+                </a:solidFill>
+              </a14:hiddenFill>
+            </a:ext>
+            <a:ext uri="{91240B29-F687-4f45-9708-019B960494DF}">
+              <a14:hiddenLine xmlns:a14="http://schemas.microsoft.com/office/drawing/2010/main" xmlns="" w="9525">
+                <a:solidFill>
+                  <a:srgbClr val="000000"/>
+                </a:solidFill>
+                <a:miter lim="800000"/>
+                <a:headEnd/>
+                <a:tailEnd/>
+              </a14:hiddenLine>
+            </a:ext>
+          </a:extLst>
+        </p:spPr>
+      </p:pic>
+    </p:spTree>
+    <p:extLst>
+      <p:ext uri="{BB962C8B-B14F-4D97-AF65-F5344CB8AC3E}">
+        <p14:creationId xmlns:p14="http://schemas.microsoft.com/office/powerpoint/2010/main" val="211644598"/>
+      </p:ext>
+    </p:extLst>
+  </p:cSld>
+  <p:clrMapOvr>
+    <a:masterClrMapping/>
+  </p:clrMapOvr>
+</p:sld>
+</file>
+
+<file path=ppt/slides/slide14.xml><?xml version="1.0" encoding="utf-8"?>
+<p:sld xmlns:a="http://schemas.openxmlformats.org/drawingml/2006/main" xmlns:r="http://schemas.openxmlformats.org/officeDocument/2006/relationships" xmlns:p="http://schemas.openxmlformats.org/presentationml/2006/main">
+  <p:cSld>
+    <p:spTree>
+      <p:nvGrpSpPr>
+        <p:cNvPr id="1" name=""/>
+        <p:cNvGrpSpPr/>
+        <p:nvPr/>
+      </p:nvGrpSpPr>
+      <p:grpSpPr>
+        <a:xfrm>
+          <a:off x="0" y="0"/>
+          <a:ext cx="0" cy="0"/>
+          <a:chOff x="0" y="0"/>
+          <a:chExt cx="0" cy="0"/>
+        </a:xfrm>
+      </p:grpSpPr>
+      <p:sp>
+        <p:nvSpPr>
+          <p:cNvPr id="14337" name="Title 1"/>
+          <p:cNvSpPr>
+            <a:spLocks noGrp="1" noChangeArrowheads="1"/>
+          </p:cNvSpPr>
+          <p:nvPr>
+            <p:ph type="title"/>
+          </p:nvPr>
+        </p:nvSpPr>
+        <p:spPr/>
+        <p:txBody>
+          <a:bodyPr/>
+          <a:lstStyle/>
+          <a:p>
+            <a:pPr eaLnBrk="1" hangingPunct="1"/>
+            <a:r>
               <a:rPr lang="en-US" dirty="0"/>
-              <a:t>Summarize </a:t>
-            </a:r>
-            <a:r>
-              <a:rPr lang="en-US"/>
-              <a:t>the accomplishments </a:t>
-            </a:r>
+              <a:t>Conclusions</a:t>
+            </a:r>
+          </a:p>
+        </p:txBody>
+      </p:sp>
+      <p:sp>
+        <p:nvSpPr>
+          <p:cNvPr id="14338" name="Content Placeholder 2"/>
+          <p:cNvSpPr>
+            <a:spLocks noGrp="1"/>
+          </p:cNvSpPr>
+          <p:nvPr>
+            <p:ph idx="1"/>
+          </p:nvPr>
+        </p:nvSpPr>
+        <p:spPr>
+          <a:xfrm>
+            <a:off x="149225" y="1200150"/>
+            <a:ext cx="8858250" cy="4566666"/>
+          </a:xfrm>
+        </p:spPr>
+        <p:txBody>
+          <a:bodyPr>
+            <a:noAutofit/>
+          </a:bodyPr>
+          <a:lstStyle/>
+          <a:p>
+            <a:pPr eaLnBrk="1" hangingPunct="1">
+              <a:lnSpc>
+                <a:spcPct val="80000"/>
+              </a:lnSpc>
+              <a:buFont typeface="Wingdings" pitchFamily="2" charset="2"/>
+              <a:buChar char="§"/>
+            </a:pPr>
             <a:r>
               <a:rPr lang="en-US" dirty="0"/>
-              <a:t>of the course project and highlight the findings of the projects.</a:t>
-            </a:r>
+              <a:t>Based on the results of each task, you conclude whether the project objective has been accomplished.</a:t>
+            </a:r>
+          </a:p>
+          <a:p>
+            <a:pPr eaLnBrk="1" hangingPunct="1">
+              <a:lnSpc>
+                <a:spcPct val="80000"/>
+              </a:lnSpc>
+              <a:buFont typeface="Wingdings" pitchFamily="2" charset="2"/>
+              <a:buChar char="§"/>
+            </a:pPr>
+            <a:r>
+              <a:rPr lang="en-US" dirty="0" smtClean="0"/>
+              <a:t>Lessons Learned and Recommendations</a:t>
+            </a:r>
+          </a:p>
+          <a:p>
+            <a:pPr lvl="1" eaLnBrk="1" hangingPunct="1">
+              <a:lnSpc>
+                <a:spcPct val="80000"/>
+              </a:lnSpc>
+              <a:buFont typeface="Wingdings" pitchFamily="2" charset="2"/>
+              <a:buChar char="§"/>
+            </a:pPr>
+            <a:r>
+              <a:rPr lang="en-US" dirty="0" smtClean="0"/>
+              <a:t>When signal capturing (TLE) data, it’s better to get data that’s sampled similar, and ideally consistent, rates</a:t>
+            </a:r>
+          </a:p>
+          <a:p>
+            <a:pPr lvl="1" eaLnBrk="1" hangingPunct="1">
+              <a:lnSpc>
+                <a:spcPct val="80000"/>
+              </a:lnSpc>
+              <a:buFont typeface="Wingdings" pitchFamily="2" charset="2"/>
+              <a:buChar char="§"/>
+            </a:pPr>
+            <a:r>
+              <a:rPr lang="en-US" dirty="0" smtClean="0"/>
+              <a:t>Recommend getting TLE data that’s sampled as frequently as truth data to avoid aliasing when trying to interpolate. </a:t>
+            </a:r>
+          </a:p>
+          <a:p>
+            <a:pPr lvl="1" eaLnBrk="1" hangingPunct="1">
+              <a:lnSpc>
+                <a:spcPct val="80000"/>
+              </a:lnSpc>
+              <a:buFont typeface="Wingdings" pitchFamily="2" charset="2"/>
+              <a:buChar char="§"/>
+            </a:pPr>
+            <a:endParaRPr lang="en-US" dirty="0"/>
+          </a:p>
+          <a:p>
+            <a:pPr eaLnBrk="1" hangingPunct="1">
+              <a:lnSpc>
+                <a:spcPct val="80000"/>
+              </a:lnSpc>
+              <a:buFont typeface="Wingdings" pitchFamily="2" charset="2"/>
+              <a:buChar char="§"/>
+            </a:pPr>
+            <a:r>
+              <a:rPr lang="en-US" sz="2200" dirty="0"/>
+              <a:t>This section is where the team convinces the reviewers that the project is well done, regardless the positive or the negative results. </a:t>
+            </a:r>
+          </a:p>
+          <a:p>
+            <a:pPr eaLnBrk="1" hangingPunct="1">
+              <a:lnSpc>
+                <a:spcPct val="80000"/>
+              </a:lnSpc>
+              <a:buFont typeface="Wingdings" pitchFamily="2" charset="2"/>
+              <a:buChar char="§"/>
+            </a:pPr>
+            <a:r>
+              <a:rPr lang="en-US" sz="2200" dirty="0"/>
+              <a:t>The accomplishment of the project will be assessed in terms of the details of the task execution and the result analysis, the understanding of the challenges encountered during the project execution, the conclusion drawn from the results, and the plan for further studies in the area of the proposed project.  </a:t>
+            </a:r>
+          </a:p>
+          <a:p>
+            <a:pPr eaLnBrk="1" hangingPunct="1">
+              <a:lnSpc>
+                <a:spcPct val="80000"/>
+              </a:lnSpc>
+              <a:buFont typeface="Wingdings" pitchFamily="2" charset="2"/>
+              <a:buChar char="§"/>
+            </a:pPr>
+            <a:endParaRPr sz="2200" dirty="0"/>
           </a:p>
         </p:txBody>
       </p:sp>
@@ -13237,14 +14842,204 @@
           </a:ln>
           <a:extLst>
             <a:ext uri="{909E8E84-426E-40dd-AFC4-6F175D3DCCD1}">
-              <a14:hiddenFill xmlns="" xmlns:a14="http://schemas.microsoft.com/office/drawing/2010/main">
+              <a14:hiddenFill xmlns:a14="http://schemas.microsoft.com/office/drawing/2010/main" xmlns="">
                 <a:solidFill>
                   <a:srgbClr val="FFFFFF"/>
                 </a:solidFill>
               </a14:hiddenFill>
             </a:ext>
             <a:ext uri="{91240B29-F687-4f45-9708-019B960494DF}">
-              <a14:hiddenLine xmlns="" xmlns:a14="http://schemas.microsoft.com/office/drawing/2010/main" w="9525">
+              <a14:hiddenLine xmlns:a14="http://schemas.microsoft.com/office/drawing/2010/main" xmlns="" w="9525">
+                <a:solidFill>
+                  <a:srgbClr val="000000"/>
+                </a:solidFill>
+                <a:miter lim="800000"/>
+                <a:headEnd/>
+                <a:tailEnd/>
+              </a14:hiddenLine>
+            </a:ext>
+          </a:extLst>
+        </p:spPr>
+      </p:pic>
+    </p:spTree>
+    <p:extLst>
+      <p:ext uri="{BB962C8B-B14F-4D97-AF65-F5344CB8AC3E}">
+        <p14:creationId xmlns:p14="http://schemas.microsoft.com/office/powerpoint/2010/main" val="2075041206"/>
+      </p:ext>
+    </p:extLst>
+  </p:cSld>
+  <p:clrMapOvr>
+    <a:masterClrMapping/>
+  </p:clrMapOvr>
+</p:sld>
+</file>
+
+<file path=ppt/slides/slide15.xml><?xml version="1.0" encoding="utf-8"?>
+<p:sld xmlns:a="http://schemas.openxmlformats.org/drawingml/2006/main" xmlns:r="http://schemas.openxmlformats.org/officeDocument/2006/relationships" xmlns:p="http://schemas.openxmlformats.org/presentationml/2006/main">
+  <p:cSld>
+    <p:spTree>
+      <p:nvGrpSpPr>
+        <p:cNvPr id="1" name=""/>
+        <p:cNvGrpSpPr/>
+        <p:nvPr/>
+      </p:nvGrpSpPr>
+      <p:grpSpPr>
+        <a:xfrm>
+          <a:off x="0" y="0"/>
+          <a:ext cx="0" cy="0"/>
+          <a:chOff x="0" y="0"/>
+          <a:chExt cx="0" cy="0"/>
+        </a:xfrm>
+      </p:grpSpPr>
+      <p:sp>
+        <p:nvSpPr>
+          <p:cNvPr id="14337" name="Title 1"/>
+          <p:cNvSpPr>
+            <a:spLocks noGrp="1" noChangeArrowheads="1"/>
+          </p:cNvSpPr>
+          <p:nvPr>
+            <p:ph type="title"/>
+          </p:nvPr>
+        </p:nvSpPr>
+        <p:spPr/>
+        <p:txBody>
+          <a:bodyPr/>
+          <a:lstStyle/>
+          <a:p>
+            <a:pPr eaLnBrk="1" hangingPunct="1"/>
+            <a:r>
+              <a:rPr lang="en-US" dirty="0"/>
+              <a:t>Summary</a:t>
+            </a:r>
+          </a:p>
+        </p:txBody>
+      </p:sp>
+      <p:sp>
+        <p:nvSpPr>
+          <p:cNvPr id="14338" name="Content Placeholder 2"/>
+          <p:cNvSpPr>
+            <a:spLocks noGrp="1"/>
+          </p:cNvSpPr>
+          <p:nvPr>
+            <p:ph idx="1"/>
+          </p:nvPr>
+        </p:nvSpPr>
+        <p:spPr>
+          <a:xfrm>
+            <a:off x="149225" y="1200150"/>
+            <a:ext cx="8858250" cy="3394075"/>
+          </a:xfrm>
+        </p:spPr>
+        <p:txBody>
+          <a:bodyPr>
+            <a:normAutofit/>
+          </a:bodyPr>
+          <a:lstStyle/>
+          <a:p>
+            <a:pPr eaLnBrk="1" hangingPunct="1">
+              <a:lnSpc>
+                <a:spcPct val="80000"/>
+              </a:lnSpc>
+              <a:buFont typeface="Wingdings" pitchFamily="2" charset="2"/>
+              <a:buChar char="§"/>
+            </a:pPr>
+            <a:r>
+              <a:rPr lang="en-US" dirty="0" smtClean="0"/>
+              <a:t>Accomplishments and Findings</a:t>
+            </a:r>
+          </a:p>
+          <a:p>
+            <a:pPr lvl="1" eaLnBrk="1" hangingPunct="1">
+              <a:lnSpc>
+                <a:spcPct val="80000"/>
+              </a:lnSpc>
+              <a:buFont typeface="Wingdings" pitchFamily="2" charset="2"/>
+              <a:buChar char="§"/>
+            </a:pPr>
+            <a:r>
+              <a:rPr lang="en-US" dirty="0" smtClean="0"/>
+              <a:t>Successful implementation of Signal Capturing and Data Conditioning to implement TLE data to model a LEO satellite.</a:t>
+            </a:r>
+          </a:p>
+          <a:p>
+            <a:pPr lvl="1" eaLnBrk="1" hangingPunct="1">
+              <a:lnSpc>
+                <a:spcPct val="80000"/>
+              </a:lnSpc>
+              <a:buFont typeface="Wingdings" pitchFamily="2" charset="2"/>
+              <a:buChar char="§"/>
+            </a:pPr>
+            <a:r>
+              <a:rPr lang="en-US" dirty="0" smtClean="0">
+                <a:solidFill>
+                  <a:srgbClr val="FF0000"/>
+                </a:solidFill>
+              </a:rPr>
+              <a:t>Successful implementation of Feature Extraction to get inputted TLE data to a 1-to-1 match with ILRS truth data.</a:t>
+            </a:r>
+          </a:p>
+          <a:p>
+            <a:pPr lvl="1" eaLnBrk="1" hangingPunct="1">
+              <a:lnSpc>
+                <a:spcPct val="80000"/>
+              </a:lnSpc>
+              <a:buFont typeface="Wingdings" pitchFamily="2" charset="2"/>
+              <a:buChar char="§"/>
+            </a:pPr>
+            <a:r>
+              <a:rPr lang="en-US" dirty="0" smtClean="0">
+                <a:solidFill>
+                  <a:srgbClr val="FF0000"/>
+                </a:solidFill>
+              </a:rPr>
+              <a:t>Successful implementation of Machine Learning Objective of implementing SVM Machine Learning model to increase orbital prediction accuracy when compared to SGP4 physics based model.</a:t>
+            </a:r>
+          </a:p>
+        </p:txBody>
+      </p:sp>
+      <p:pic>
+        <p:nvPicPr>
+          <p:cNvPr id="14339" name="Picture 4"/>
+          <p:cNvPicPr>
+            <a:picLocks noChangeAspect="1" noChangeArrowheads="1"/>
+          </p:cNvPicPr>
+          <p:nvPr/>
+        </p:nvPicPr>
+        <p:blipFill>
+          <a:blip r:embed="rId3">
+            <a:extLst>
+              <a:ext uri="{28A0092B-C50C-407E-A947-70E740481C1C}">
+                <a14:useLocalDpi xmlns:a14="http://schemas.microsoft.com/office/drawing/2010/main" val="0"/>
+              </a:ext>
+            </a:extLst>
+          </a:blip>
+          <a:srcRect/>
+          <a:stretch>
+            <a:fillRect/>
+          </a:stretch>
+        </p:blipFill>
+        <p:spPr bwMode="auto">
+          <a:xfrm>
+            <a:off x="8115300" y="4757738"/>
+            <a:ext cx="971550" cy="374650"/>
+          </a:xfrm>
+          <a:prstGeom prst="rect">
+            <a:avLst/>
+          </a:prstGeom>
+          <a:noFill/>
+          <a:ln>
+            <a:noFill/>
+          </a:ln>
+          <a:extLst>
+            <a:ext uri="{909E8E84-426E-40dd-AFC4-6F175D3DCCD1}">
+              <a14:hiddenFill xmlns:a14="http://schemas.microsoft.com/office/drawing/2010/main" xmlns="">
+                <a:solidFill>
+                  <a:srgbClr val="FFFFFF"/>
+                </a:solidFill>
+              </a14:hiddenFill>
+            </a:ext>
+            <a:ext uri="{91240B29-F687-4f45-9708-019B960494DF}">
+              <a14:hiddenLine xmlns:a14="http://schemas.microsoft.com/office/drawing/2010/main" xmlns="" w="9525">
                 <a:solidFill>
                   <a:srgbClr val="000000"/>
                 </a:solidFill>
@@ -13269,7 +15064,7 @@
 </p:sld>
 </file>
 
-<file path=ppt/slides/slide13.xml><?xml version="1.0" encoding="utf-8"?>
+<file path=ppt/slides/slide16.xml><?xml version="1.0" encoding="utf-8"?>
 <p:sld xmlns:a="http://schemas.openxmlformats.org/drawingml/2006/main" xmlns:r="http://schemas.openxmlformats.org/officeDocument/2006/relationships" xmlns:p="http://schemas.openxmlformats.org/presentationml/2006/main">
   <p:cSld>
     <p:spTree>
@@ -13365,9 +15160,14 @@
               <a:buChar char="•"/>
             </a:pPr>
             <a:r>
-              <a:rPr lang="en-US" dirty="0"/>
-              <a:t>Introduction </a:t>
-            </a:r>
+              <a:rPr lang="en-US" dirty="0" smtClean="0"/>
+              <a:t>Introduction – </a:t>
+            </a:r>
+            <a:r>
+              <a:rPr lang="en-US" sz="1200" dirty="0" smtClean="0"/>
+              <a:t>Slides 3 - 4 </a:t>
+            </a:r>
+            <a:endParaRPr lang="en-US" sz="1200" dirty="0"/>
           </a:p>
           <a:p>
             <a:pPr lvl="0">
@@ -13375,9 +15175,14 @@
               <a:buChar char="•"/>
             </a:pPr>
             <a:r>
-              <a:rPr lang="en-US" dirty="0"/>
-              <a:t>Objective</a:t>
-            </a:r>
+              <a:rPr lang="en-US" dirty="0" smtClean="0"/>
+              <a:t>Objective – </a:t>
+            </a:r>
+            <a:r>
+              <a:rPr lang="en-US" sz="1200" dirty="0" smtClean="0"/>
+              <a:t>Slide 5</a:t>
+            </a:r>
+            <a:endParaRPr lang="en-US" sz="1200" dirty="0"/>
           </a:p>
           <a:p>
             <a:pPr lvl="0">
@@ -13385,9 +15190,14 @@
               <a:buChar char="•"/>
             </a:pPr>
             <a:r>
-              <a:rPr lang="en-US" dirty="0"/>
-              <a:t>Tasks</a:t>
-            </a:r>
+              <a:rPr lang="en-US" dirty="0" smtClean="0"/>
+              <a:t>Tasks – </a:t>
+            </a:r>
+            <a:r>
+              <a:rPr lang="en-US" sz="1200" dirty="0" smtClean="0"/>
+              <a:t>Slides 9 - 11 </a:t>
+            </a:r>
+            <a:endParaRPr lang="en-US" sz="1200" dirty="0"/>
           </a:p>
           <a:p>
             <a:pPr lvl="0">
@@ -13395,9 +15205,14 @@
               <a:buChar char="•"/>
             </a:pPr>
             <a:r>
-              <a:rPr lang="en-US" dirty="0"/>
-              <a:t>Results</a:t>
-            </a:r>
+              <a:rPr lang="en-US" dirty="0" smtClean="0"/>
+              <a:t>Results – </a:t>
+            </a:r>
+            <a:r>
+              <a:rPr lang="en-US" sz="1200" dirty="0" smtClean="0"/>
+              <a:t>Slides 12 - 13</a:t>
+            </a:r>
+            <a:endParaRPr lang="en-US" sz="1200" dirty="0"/>
           </a:p>
           <a:p>
             <a:pPr lvl="0">
@@ -13405,9 +15220,14 @@
               <a:buChar char="•"/>
             </a:pPr>
             <a:r>
-              <a:rPr lang="en-US" dirty="0"/>
-              <a:t>Conclusions</a:t>
-            </a:r>
+              <a:rPr lang="en-US" dirty="0" smtClean="0"/>
+              <a:t>Conclusions – </a:t>
+            </a:r>
+            <a:r>
+              <a:rPr lang="en-US" sz="1200" dirty="0" smtClean="0"/>
+              <a:t>Slide 14</a:t>
+            </a:r>
+            <a:endParaRPr lang="en-US" sz="1200" dirty="0"/>
           </a:p>
           <a:p>
             <a:pPr>
@@ -13415,12 +15235,95 @@
               <a:buChar char="•"/>
             </a:pPr>
             <a:r>
-              <a:rPr lang="en-US" dirty="0"/>
-              <a:t>Summary</a:t>
-            </a:r>
+              <a:rPr lang="en-US" dirty="0" smtClean="0"/>
+              <a:t>Summary – </a:t>
+            </a:r>
+            <a:r>
+              <a:rPr lang="en-US" sz="1200" dirty="0" smtClean="0"/>
+              <a:t>Slide 15</a:t>
+            </a:r>
+            <a:endParaRPr lang="en-US" sz="1200" dirty="0"/>
           </a:p>
         </p:txBody>
       </p:sp>
+      <p:pic>
+        <p:nvPicPr>
+          <p:cNvPr id="2" name="Picture 1"/>
+          <p:cNvPicPr>
+            <a:picLocks noChangeAspect="1"/>
+          </p:cNvPicPr>
+          <p:nvPr/>
+        </p:nvPicPr>
+        <p:blipFill>
+          <a:blip r:embed="rId3"/>
+          <a:stretch>
+            <a:fillRect/>
+          </a:stretch>
+        </p:blipFill>
+        <p:spPr>
+          <a:xfrm>
+            <a:off x="4607719" y="1314450"/>
+            <a:ext cx="4101369" cy="2721612"/>
+          </a:xfrm>
+          <a:prstGeom prst="rect">
+            <a:avLst/>
+          </a:prstGeom>
+        </p:spPr>
+      </p:pic>
+      <p:pic>
+        <p:nvPicPr>
+          <p:cNvPr id="5" name="Picture 4"/>
+          <p:cNvPicPr>
+            <a:picLocks noChangeAspect="1" noChangeArrowheads="1"/>
+          </p:cNvPicPr>
+          <p:nvPr/>
+        </p:nvPicPr>
+        <p:blipFill>
+          <a:blip r:embed="rId4">
+            <a:extLst>
+              <a:ext uri="{28A0092B-C50C-407E-A947-70E740481C1C}">
+                <a14:useLocalDpi xmlns:a14="http://schemas.microsoft.com/office/drawing/2010/main" val="0"/>
+              </a:ext>
+            </a:extLst>
+          </a:blip>
+          <a:srcRect/>
+          <a:stretch>
+            <a:fillRect/>
+          </a:stretch>
+        </p:blipFill>
+        <p:spPr bwMode="auto">
+          <a:xfrm>
+            <a:off x="8115300" y="4757738"/>
+            <a:ext cx="971550" cy="374650"/>
+          </a:xfrm>
+          <a:prstGeom prst="rect">
+            <a:avLst/>
+          </a:prstGeom>
+          <a:noFill/>
+          <a:ln>
+            <a:noFill/>
+          </a:ln>
+          <a:extLst>
+            <a:ext uri="{909E8E84-426E-40dd-AFC4-6F175D3DCCD1}">
+              <a14:hiddenFill xmlns:a14="http://schemas.microsoft.com/office/drawing/2010/main" xmlns="">
+                <a:solidFill>
+                  <a:srgbClr val="FFFFFF"/>
+                </a:solidFill>
+              </a14:hiddenFill>
+            </a:ext>
+            <a:ext uri="{91240B29-F687-4f45-9708-019B960494DF}">
+              <a14:hiddenLine xmlns:a14="http://schemas.microsoft.com/office/drawing/2010/main" xmlns="" w="9525">
+                <a:solidFill>
+                  <a:srgbClr val="000000"/>
+                </a:solidFill>
+                <a:miter lim="800000"/>
+                <a:headEnd/>
+                <a:tailEnd/>
+              </a14:hiddenLine>
+            </a:ext>
+          </a:extLst>
+        </p:spPr>
+      </p:pic>
     </p:spTree>
     <p:extLst>
       <p:ext uri="{BB962C8B-B14F-4D97-AF65-F5344CB8AC3E}">
@@ -13536,7 +15439,7 @@
           <p:cNvPr id="16" name="Picture 4">
             <a:extLst>
               <a:ext uri="{FF2B5EF4-FFF2-40B4-BE49-F238E27FC236}">
-                <a16:creationId xmlns:a16="http://schemas.microsoft.com/office/drawing/2014/main" xmlns="" id="{AD8E2C12-623A-4C4D-9B32-9F1EF75745E8}"/>
+                <a16:creationId xmlns:a16="http://schemas.microsoft.com/office/drawing/2014/main" id="{AD8E2C12-623A-4C4D-9B32-9F1EF75745E8}"/>
               </a:ext>
             </a:extLst>
           </p:cNvPr>
@@ -13546,7 +15449,7 @@
           <p:nvPr/>
         </p:nvPicPr>
         <p:blipFill>
-          <a:blip r:embed="rId2">
+          <a:blip r:embed="rId3">
             <a:extLst>
               <a:ext uri="{28A0092B-C50C-407E-A947-70E740481C1C}">
                 <a14:useLocalDpi xmlns:a14="http://schemas.microsoft.com/office/drawing/2010/main" val="0"/>
@@ -13572,14 +15475,14 @@
           </a:ln>
           <a:extLst>
             <a:ext uri="{909E8E84-426E-40dd-AFC4-6F175D3DCCD1}">
-              <a14:hiddenFill xmlns="" xmlns:a14="http://schemas.microsoft.com/office/drawing/2010/main">
+              <a14:hiddenFill xmlns:a14="http://schemas.microsoft.com/office/drawing/2010/main" xmlns="">
                 <a:solidFill>
                   <a:srgbClr val="FFFFFF"/>
                 </a:solidFill>
               </a14:hiddenFill>
             </a:ext>
             <a:ext uri="{91240B29-F687-4f45-9708-019B960494DF}">
-              <a14:hiddenLine xmlns="" xmlns:a14="http://schemas.microsoft.com/office/drawing/2010/main" w="9525">
+              <a14:hiddenLine xmlns:a14="http://schemas.microsoft.com/office/drawing/2010/main" xmlns="" w="9525">
                 <a:solidFill>
                   <a:srgbClr val="000000"/>
                 </a:solidFill>
@@ -13596,7 +15499,7 @@
           <p:cNvPr id="18" name="Content Placeholder 2">
             <a:extLst>
               <a:ext uri="{FF2B5EF4-FFF2-40B4-BE49-F238E27FC236}">
-                <a16:creationId xmlns:a16="http://schemas.microsoft.com/office/drawing/2014/main" xmlns="" id="{2E82F845-537C-7B40-B630-1F1C2CB54983}"/>
+                <a16:creationId xmlns:a16="http://schemas.microsoft.com/office/drawing/2014/main" id="{2E82F845-537C-7B40-B630-1F1C2CB54983}"/>
               </a:ext>
             </a:extLst>
           </p:cNvPr>
@@ -13619,14 +15522,14 @@
           </a:ln>
           <a:extLst>
             <a:ext uri="{909E8E84-426E-40dd-AFC4-6F175D3DCCD1}">
-              <a14:hiddenFill xmlns="" xmlns:a14="http://schemas.microsoft.com/office/drawing/2010/main">
+              <a14:hiddenFill xmlns:a14="http://schemas.microsoft.com/office/drawing/2010/main" xmlns="">
                 <a:solidFill>
                   <a:srgbClr val="FFFFFF"/>
                 </a:solidFill>
               </a14:hiddenFill>
             </a:ext>
             <a:ext uri="{91240B29-F687-4f45-9708-019B960494DF}">
-              <a14:hiddenLine xmlns="" xmlns:a14="http://schemas.microsoft.com/office/drawing/2010/main" w="9525">
+              <a14:hiddenLine xmlns:a14="http://schemas.microsoft.com/office/drawing/2010/main" xmlns="" w="9525">
                 <a:solidFill>
                   <a:srgbClr val="000000"/>
                 </a:solidFill>
@@ -13636,7 +15539,7 @@
               </a14:hiddenLine>
             </a:ext>
             <a:ext uri="{FAA26D3D-D897-4be2-8F04-BA451C77F1D7}">
-              <ma14:placeholderFlag xmlns="" xmlns:ma14="http://schemas.microsoft.com/office/mac/drawingml/2011/main" val="1"/>
+              <ma14:placeholderFlag xmlns:ma14="http://schemas.microsoft.com/office/mac/drawingml/2011/main" xmlns="" val="1"/>
             </a:ext>
           </a:extLst>
         </p:spPr>
@@ -13645,7 +15548,7 @@
             <a:prstTxWarp prst="textNoShape">
               <a:avLst/>
             </a:prstTxWarp>
-            <a:normAutofit lnSpcReduction="10000"/>
+            <a:normAutofit fontScale="92500" lnSpcReduction="10000"/>
           </a:bodyPr>
           <a:lstStyle>
             <a:lvl1pPr marL="288925" indent="-288925" algn="l" defTabSz="457200" rtl="0" eaLnBrk="0" fontAlgn="base" hangingPunct="0">
@@ -13819,20 +15722,110 @@
           <a:p>
             <a:r>
               <a:rPr lang="en-US" dirty="0" smtClean="0"/>
-              <a:t>The physics based approach is know to have built in errors due to unpredictable atmospheric conditions.</a:t>
-            </a:r>
-          </a:p>
-          <a:p>
+              <a:t>The physics based approach is </a:t>
+            </a:r>
             <a:r>
               <a:rPr lang="en-US" dirty="0" smtClean="0"/>
-              <a:t>These errors can be large enough to cause collisions in the Low Earth Orbit (LEO) environment.</a:t>
-            </a:r>
-          </a:p>
-          <a:p>
+              <a:t>known </a:t>
+            </a:r>
             <a:r>
               <a:rPr lang="en-US" dirty="0" smtClean="0"/>
-              <a:t>Proposed solution to satellite tracking errors is to use machine learning to model the orbit rather than a physics based approach to produce more accurate predictions.</a:t>
-            </a:r>
+              <a:t>to have built in errors due to </a:t>
+            </a:r>
+            <a:r>
+              <a:rPr lang="en-US" dirty="0" smtClean="0"/>
+              <a:t>perturbations such as unpredictable </a:t>
+            </a:r>
+            <a:r>
+              <a:rPr lang="en-US" dirty="0" smtClean="0"/>
+              <a:t>atmospheric </a:t>
+            </a:r>
+            <a:r>
+              <a:rPr lang="en-US" dirty="0" smtClean="0"/>
+              <a:t>conditions and drag </a:t>
+            </a:r>
+            <a:r>
+              <a:rPr lang="en-US" dirty="0"/>
+              <a:t>for Low Earth Orbit </a:t>
+            </a:r>
+            <a:r>
+              <a:rPr lang="en-US" dirty="0" smtClean="0"/>
+              <a:t>(LEO) </a:t>
+            </a:r>
+            <a:r>
+              <a:rPr lang="en-US" dirty="0" smtClean="0"/>
+              <a:t>satellites.</a:t>
+            </a:r>
+            <a:endParaRPr lang="en-US" dirty="0" smtClean="0"/>
+          </a:p>
+          <a:p>
+            <a:r>
+              <a:rPr lang="en-US" dirty="0" smtClean="0"/>
+              <a:t>These </a:t>
+            </a:r>
+            <a:r>
+              <a:rPr lang="en-US" dirty="0" smtClean="0"/>
+              <a:t>errors can be large enough to cause collisions in the </a:t>
+            </a:r>
+            <a:r>
+              <a:rPr lang="en-US" dirty="0" smtClean="0"/>
+              <a:t>(</a:t>
+            </a:r>
+            <a:r>
+              <a:rPr lang="en-US" dirty="0" smtClean="0"/>
+              <a:t>LEO) environment.</a:t>
+            </a:r>
+          </a:p>
+          <a:p>
+            <a:r>
+              <a:rPr lang="en-US" b="1" u="sng" dirty="0" smtClean="0"/>
+              <a:t>Proposed </a:t>
+            </a:r>
+            <a:r>
+              <a:rPr lang="en-US" b="1" u="sng" dirty="0" smtClean="0"/>
+              <a:t>solution</a:t>
+            </a:r>
+            <a:r>
+              <a:rPr lang="en-US" dirty="0" smtClean="0"/>
+              <a:t>: Use </a:t>
+            </a:r>
+            <a:r>
+              <a:rPr lang="en-US" dirty="0"/>
+              <a:t>M</a:t>
+            </a:r>
+            <a:r>
+              <a:rPr lang="en-US" dirty="0" smtClean="0"/>
+              <a:t>achine </a:t>
+            </a:r>
+            <a:r>
+              <a:rPr lang="en-US" dirty="0"/>
+              <a:t>L</a:t>
+            </a:r>
+            <a:r>
+              <a:rPr lang="en-US" dirty="0" smtClean="0"/>
+              <a:t>earning </a:t>
+            </a:r>
+            <a:r>
+              <a:rPr lang="en-US" dirty="0" smtClean="0"/>
+              <a:t>to model the orbit rather than a physics based approach to produce more accurate </a:t>
+            </a:r>
+            <a:r>
+              <a:rPr lang="en-US" dirty="0"/>
+              <a:t>predictions based </a:t>
+            </a:r>
+            <a:r>
+              <a:rPr lang="en-US" dirty="0" smtClean="0"/>
+              <a:t>on </a:t>
+            </a:r>
+            <a:r>
+              <a:rPr lang="en-US" dirty="0"/>
+              <a:t>satellite tracking </a:t>
+            </a:r>
+            <a:r>
+              <a:rPr lang="en-US" dirty="0" smtClean="0"/>
+              <a:t>errors.</a:t>
+            </a:r>
+            <a:endParaRPr lang="en-US" dirty="0" smtClean="0"/>
           </a:p>
           <a:p>
             <a:pPr marL="0" indent="0" eaLnBrk="1" hangingPunct="1">
@@ -13953,7 +15946,7 @@
           <p:cNvPr id="16" name="Picture 4">
             <a:extLst>
               <a:ext uri="{FF2B5EF4-FFF2-40B4-BE49-F238E27FC236}">
-                <a16:creationId xmlns:a16="http://schemas.microsoft.com/office/drawing/2014/main" xmlns="" id="{AD8E2C12-623A-4C4D-9B32-9F1EF75745E8}"/>
+                <a16:creationId xmlns:a16="http://schemas.microsoft.com/office/drawing/2014/main" id="{AD8E2C12-623A-4C4D-9B32-9F1EF75745E8}"/>
               </a:ext>
             </a:extLst>
           </p:cNvPr>
@@ -13989,14 +15982,14 @@
           </a:ln>
           <a:extLst>
             <a:ext uri="{909E8E84-426E-40dd-AFC4-6F175D3DCCD1}">
-              <a14:hiddenFill xmlns="" xmlns:a14="http://schemas.microsoft.com/office/drawing/2010/main">
+              <a14:hiddenFill xmlns:a14="http://schemas.microsoft.com/office/drawing/2010/main" xmlns="">
                 <a:solidFill>
                   <a:srgbClr val="FFFFFF"/>
                 </a:solidFill>
               </a14:hiddenFill>
             </a:ext>
             <a:ext uri="{91240B29-F687-4f45-9708-019B960494DF}">
-              <a14:hiddenLine xmlns="" xmlns:a14="http://schemas.microsoft.com/office/drawing/2010/main" w="9525">
+              <a14:hiddenLine xmlns:a14="http://schemas.microsoft.com/office/drawing/2010/main" xmlns="" w="9525">
                 <a:solidFill>
                   <a:srgbClr val="000000"/>
                 </a:solidFill>
@@ -14013,7 +16006,7 @@
           <p:cNvPr id="18" name="Content Placeholder 2">
             <a:extLst>
               <a:ext uri="{FF2B5EF4-FFF2-40B4-BE49-F238E27FC236}">
-                <a16:creationId xmlns:a16="http://schemas.microsoft.com/office/drawing/2014/main" xmlns="" id="{2E82F845-537C-7B40-B630-1F1C2CB54983}"/>
+                <a16:creationId xmlns:a16="http://schemas.microsoft.com/office/drawing/2014/main" id="{2E82F845-537C-7B40-B630-1F1C2CB54983}"/>
               </a:ext>
             </a:extLst>
           </p:cNvPr>
@@ -14036,14 +16029,14 @@
           </a:ln>
           <a:extLst>
             <a:ext uri="{909E8E84-426E-40dd-AFC4-6F175D3DCCD1}">
-              <a14:hiddenFill xmlns="" xmlns:a14="http://schemas.microsoft.com/office/drawing/2010/main">
+              <a14:hiddenFill xmlns:a14="http://schemas.microsoft.com/office/drawing/2010/main" xmlns="">
                 <a:solidFill>
                   <a:srgbClr val="FFFFFF"/>
                 </a:solidFill>
               </a14:hiddenFill>
             </a:ext>
             <a:ext uri="{91240B29-F687-4f45-9708-019B960494DF}">
-              <a14:hiddenLine xmlns="" xmlns:a14="http://schemas.microsoft.com/office/drawing/2010/main" w="9525">
+              <a14:hiddenLine xmlns:a14="http://schemas.microsoft.com/office/drawing/2010/main" xmlns="" w="9525">
                 <a:solidFill>
                   <a:srgbClr val="000000"/>
                 </a:solidFill>
@@ -14053,7 +16046,7 @@
               </a14:hiddenLine>
             </a:ext>
             <a:ext uri="{FAA26D3D-D897-4be2-8F04-BA451C77F1D7}">
-              <ma14:placeholderFlag xmlns="" xmlns:ma14="http://schemas.microsoft.com/office/mac/drawingml/2011/main" val="1"/>
+              <ma14:placeholderFlag xmlns:ma14="http://schemas.microsoft.com/office/mac/drawingml/2011/main" xmlns="" val="1"/>
             </a:ext>
           </a:extLst>
         </p:spPr>
@@ -14230,8 +16223,67 @@
           <a:p>
             <a:r>
               <a:rPr lang="en-US" dirty="0" smtClean="0"/>
-              <a:t>Briefly state what has been accomplished in this project.  </a:t>
-            </a:r>
+              <a:t>Briefly state what has been accomplished in this project. </a:t>
+            </a:r>
+            <a:endParaRPr lang="en-US" dirty="0" smtClean="0"/>
+          </a:p>
+          <a:p>
+            <a:pPr lvl="1"/>
+            <a:r>
+              <a:rPr lang="en-US" dirty="0" smtClean="0"/>
+              <a:t>Proper Model Implementation </a:t>
+            </a:r>
+            <a:r>
+              <a:rPr lang="en-US" dirty="0"/>
+              <a:t>of Simplified General Perturbations (</a:t>
+            </a:r>
+            <a:r>
+              <a:rPr lang="en-US" i="1" dirty="0"/>
+              <a:t>SGP4</a:t>
+            </a:r>
+            <a:r>
+              <a:rPr lang="en-US" dirty="0"/>
+              <a:t>) propagator </a:t>
+            </a:r>
+            <a:r>
+              <a:rPr lang="en-US" dirty="0" smtClean="0"/>
+              <a:t>model</a:t>
+            </a:r>
+            <a:r>
+              <a:rPr lang="en-US" dirty="0" smtClean="0"/>
+              <a:t> for physics based approach and Truth Data obtained from ILRS</a:t>
+            </a:r>
+          </a:p>
+          <a:p>
+            <a:r>
+              <a:rPr lang="en-US" dirty="0" smtClean="0">
+                <a:solidFill>
+                  <a:srgbClr val="FF0000"/>
+                </a:solidFill>
+              </a:rPr>
+              <a:t>Proper implementation of supervised Support </a:t>
+            </a:r>
+            <a:r>
+              <a:rPr lang="en-US" dirty="0">
+                <a:solidFill>
+                  <a:srgbClr val="FF0000"/>
+                </a:solidFill>
+              </a:rPr>
+              <a:t>V</a:t>
+            </a:r>
+            <a:r>
+              <a:rPr lang="en-US" dirty="0" smtClean="0">
+                <a:solidFill>
+                  <a:srgbClr val="FF0000"/>
+                </a:solidFill>
+              </a:rPr>
+              <a:t>ector Machine (SVM) Machine Learning approach to estimate future orbits with increased orbital prediction when compared to SGP4</a:t>
+            </a:r>
+            <a:endParaRPr lang="en-US" dirty="0" smtClean="0">
+              <a:solidFill>
+                <a:srgbClr val="FF0000"/>
+              </a:solidFill>
+            </a:endParaRPr>
           </a:p>
           <a:p>
             <a:pPr marL="0" indent="0" eaLnBrk="1" hangingPunct="1">
@@ -14307,11 +16359,13 @@
         <p:spPr>
           <a:xfrm>
             <a:off x="149225" y="1134838"/>
-            <a:ext cx="8651875" cy="3394075"/>
+            <a:ext cx="8651875" cy="3622900"/>
           </a:xfrm>
         </p:spPr>
         <p:txBody>
-          <a:bodyPr/>
+          <a:bodyPr>
+            <a:normAutofit fontScale="85000" lnSpcReduction="20000"/>
+          </a:bodyPr>
           <a:lstStyle/>
           <a:p>
             <a:pPr marL="292100" lvl="1" indent="-292100" eaLnBrk="1" hangingPunct="1">
@@ -14320,7 +16374,72 @@
             </a:pPr>
             <a:r>
               <a:rPr lang="en-US" dirty="0" smtClean="0"/>
-              <a:t>Machine learning will be used to model satellite orbits and compared to the physics propagation model (SGP4).</a:t>
+              <a:t>Two Models will be formed </a:t>
+            </a:r>
+            <a:r>
+              <a:rPr lang="en-US" dirty="0" smtClean="0"/>
+              <a:t>for satellite orbital predictions:</a:t>
+            </a:r>
+          </a:p>
+          <a:p>
+            <a:pPr marL="1490662" lvl="3" indent="-457200" eaLnBrk="1" hangingPunct="1">
+              <a:buFont typeface="+mj-lt"/>
+              <a:buAutoNum type="arabicPeriod"/>
+            </a:pPr>
+            <a:r>
+              <a:rPr lang="en-US" i="1" dirty="0" smtClean="0"/>
+              <a:t>Physics </a:t>
+            </a:r>
+            <a:r>
+              <a:rPr lang="en-US" i="1" dirty="0"/>
+              <a:t>P</a:t>
+            </a:r>
+            <a:r>
+              <a:rPr lang="en-US" i="1" dirty="0" smtClean="0"/>
+              <a:t>ropagation </a:t>
+            </a:r>
+            <a:r>
+              <a:rPr lang="en-US" i="1" dirty="0"/>
+              <a:t>M</a:t>
+            </a:r>
+            <a:r>
+              <a:rPr lang="en-US" i="1" dirty="0" smtClean="0"/>
+              <a:t>odel Approach: </a:t>
+            </a:r>
+            <a:r>
+              <a:rPr lang="en-US" dirty="0" smtClean="0"/>
+              <a:t>SGP4 </a:t>
+            </a:r>
+            <a:endParaRPr lang="en-US" dirty="0" smtClean="0"/>
+          </a:p>
+          <a:p>
+            <a:pPr marL="1490662" lvl="3" indent="-457200" eaLnBrk="1" hangingPunct="1">
+              <a:buFont typeface="+mj-lt"/>
+              <a:buAutoNum type="arabicPeriod"/>
+            </a:pPr>
+            <a:r>
+              <a:rPr lang="en-US" i="1" dirty="0" smtClean="0"/>
+              <a:t>Machine </a:t>
+            </a:r>
+            <a:r>
+              <a:rPr lang="en-US" i="1" dirty="0" smtClean="0"/>
+              <a:t>L</a:t>
+            </a:r>
+            <a:r>
+              <a:rPr lang="en-US" i="1" dirty="0" smtClean="0"/>
+              <a:t>earning Approach: </a:t>
+            </a:r>
+            <a:r>
+              <a:rPr lang="en-US" dirty="0" smtClean="0"/>
+              <a:t>will </a:t>
+            </a:r>
+            <a:r>
+              <a:rPr lang="en-US" dirty="0" smtClean="0"/>
+              <a:t>be used to model satellite </a:t>
+            </a:r>
+            <a:r>
+              <a:rPr lang="en-US" dirty="0" smtClean="0"/>
+              <a:t>orbits using SVM approach </a:t>
             </a:r>
           </a:p>
           <a:p>
@@ -14330,8 +16449,9 @@
             </a:pPr>
             <a:r>
               <a:rPr lang="en-US" dirty="0" smtClean="0"/>
-              <a:t>Both models will then be compared to the truth data obtained from the International Laser Ranging Service (ILRS).</a:t>
-            </a:r>
+              <a:t>ML approach will be compared to Physics based SGP4 approach by using truth data obtained from the International Laser Ranging Service (ILRS).</a:t>
+            </a:r>
+            <a:endParaRPr lang="en-US" dirty="0" smtClean="0"/>
           </a:p>
           <a:p>
             <a:pPr marL="292100" lvl="1" indent="-292100" eaLnBrk="1" hangingPunct="1">
@@ -14340,16 +16460,46 @@
             </a:pPr>
             <a:r>
               <a:rPr lang="en-US" dirty="0" smtClean="0"/>
-              <a:t>Project will result in a more accurate orbital prediction model that can be used for </a:t>
+              <a:t>Project </a:t>
             </a:r>
             <a:r>
               <a:rPr lang="en-US" dirty="0" smtClean="0"/>
-              <a:t>third party </a:t>
+              <a:t>will result in a more accurate orbital prediction model that can be used for third party satellite </a:t>
             </a:r>
             <a:r>
               <a:rPr lang="en-US" dirty="0" smtClean="0"/>
-              <a:t>satellite monitoring.</a:t>
-            </a:r>
+              <a:t>monitoring when Supervised SVM approach is used.</a:t>
+            </a:r>
+          </a:p>
+          <a:p>
+            <a:pPr marL="1325562" lvl="3" indent="-292100" eaLnBrk="1" hangingPunct="1">
+              <a:buFont typeface="Wingdings" pitchFamily="2" charset="2"/>
+              <a:buChar char="§"/>
+            </a:pPr>
+            <a:r>
+              <a:rPr lang="en-US" b="1" u="sng" dirty="0" smtClean="0"/>
+              <a:t>ML Objective: </a:t>
+            </a:r>
+            <a:r>
+              <a:rPr lang="en-US" dirty="0" smtClean="0"/>
+              <a:t>ML SVM approach will determine orbital errors due to perturbations, upon analyzing historical TLE data, to increase the accuracy of predicting orbital positions when compared to a </a:t>
+            </a:r>
+            <a:r>
+              <a:rPr lang="en-US" dirty="0" err="1" smtClean="0"/>
+              <a:t>phsyics</a:t>
+            </a:r>
+            <a:r>
+              <a:rPr lang="en-US" dirty="0" smtClean="0"/>
+              <a:t> based SGP4 approach</a:t>
+            </a:r>
+            <a:endParaRPr lang="en-US" dirty="0" smtClean="0"/>
+          </a:p>
+          <a:p>
+            <a:pPr marL="292100" lvl="2" indent="-292100" eaLnBrk="1" hangingPunct="1">
+              <a:buFont typeface="Wingdings" pitchFamily="2" charset="2"/>
+              <a:buChar char="§"/>
+            </a:pPr>
+            <a:endParaRPr lang="en-US" dirty="0" smtClean="0"/>
           </a:p>
           <a:p>
             <a:pPr eaLnBrk="1" hangingPunct="1"/>
@@ -14362,7 +16512,7 @@
           <p:cNvPr id="6" name="Picture 4">
             <a:extLst>
               <a:ext uri="{FF2B5EF4-FFF2-40B4-BE49-F238E27FC236}">
-                <a16:creationId xmlns:a16="http://schemas.microsoft.com/office/drawing/2014/main" xmlns="" id="{03B380C4-BE3F-5E49-97EA-83FA9E9CAD28}"/>
+                <a16:creationId xmlns:a16="http://schemas.microsoft.com/office/drawing/2014/main" id="{03B380C4-BE3F-5E49-97EA-83FA9E9CAD28}"/>
               </a:ext>
             </a:extLst>
           </p:cNvPr>
@@ -14372,7 +16522,7 @@
           <p:nvPr/>
         </p:nvPicPr>
         <p:blipFill>
-          <a:blip r:embed="rId2">
+          <a:blip r:embed="rId3">
             <a:extLst>
               <a:ext uri="{28A0092B-C50C-407E-A947-70E740481C1C}">
                 <a14:useLocalDpi xmlns:a14="http://schemas.microsoft.com/office/drawing/2010/main" val="0"/>
@@ -14398,14 +16548,14 @@
           </a:ln>
           <a:extLst>
             <a:ext uri="{909E8E84-426E-40dd-AFC4-6F175D3DCCD1}">
-              <a14:hiddenFill xmlns="" xmlns:a14="http://schemas.microsoft.com/office/drawing/2010/main">
+              <a14:hiddenFill xmlns:a14="http://schemas.microsoft.com/office/drawing/2010/main" xmlns="">
                 <a:solidFill>
                   <a:srgbClr val="FFFFFF"/>
                 </a:solidFill>
               </a14:hiddenFill>
             </a:ext>
             <a:ext uri="{91240B29-F687-4f45-9708-019B960494DF}">
-              <a14:hiddenLine xmlns="" xmlns:a14="http://schemas.microsoft.com/office/drawing/2010/main" w="9525">
+              <a14:hiddenLine xmlns:a14="http://schemas.microsoft.com/office/drawing/2010/main" xmlns="" w="9525">
                 <a:solidFill>
                   <a:srgbClr val="000000"/>
                 </a:solidFill>
@@ -14460,7 +16610,7 @@
             <a:pPr eaLnBrk="1" hangingPunct="1"/>
             <a:r>
               <a:rPr lang="en-US" dirty="0" smtClean="0"/>
-              <a:t>Sensor</a:t>
+              <a:t>Sensor – TLE Data</a:t>
             </a:r>
             <a:endParaRPr lang="en-US" dirty="0"/>
           </a:p>
@@ -14478,13 +16628,13 @@
         </p:nvSpPr>
         <p:spPr>
           <a:xfrm>
-            <a:off x="149225" y="1200150"/>
-            <a:ext cx="8858250" cy="3394075"/>
+            <a:off x="149225" y="1114425"/>
+            <a:ext cx="8858250" cy="2914650"/>
           </a:xfrm>
         </p:spPr>
         <p:txBody>
           <a:bodyPr>
-            <a:normAutofit/>
+            <a:normAutofit fontScale="92500" lnSpcReduction="10000"/>
           </a:bodyPr>
           <a:lstStyle/>
           <a:p>
@@ -14497,8 +16647,17 @@
             </a:pPr>
             <a:r>
               <a:rPr lang="en-US" sz="2200" dirty="0" smtClean="0"/>
-              <a:t>The data to be used for the machine learning approach will be in the Two Line Element (TLE) format. This format includes the following information.</a:t>
-            </a:r>
+              <a:t>The data to be used for the machine learning approach will be in the </a:t>
+            </a:r>
+            <a:r>
+              <a:rPr lang="en-US" sz="2200" dirty="0" smtClean="0"/>
+              <a:t>Two-Line </a:t>
+            </a:r>
+            <a:r>
+              <a:rPr lang="en-US" sz="2200" dirty="0" smtClean="0"/>
+              <a:t>Element (TLE) format. </a:t>
+            </a:r>
+            <a:endParaRPr lang="en-US" sz="2200" dirty="0" smtClean="0"/>
           </a:p>
           <a:p>
             <a:pPr lvl="1" eaLnBrk="1" hangingPunct="1">
@@ -14510,7 +16669,37 @@
             </a:pPr>
             <a:r>
               <a:rPr lang="en-US" sz="2200" dirty="0" smtClean="0"/>
-              <a:t>Epoch</a:t>
+              <a:t>TLE is a two-line text containing orbital information of an earth bodied satellite noted at a give time (“Epoch”)</a:t>
+            </a:r>
+            <a:endParaRPr lang="en-US" sz="2200" dirty="0" smtClean="0"/>
+          </a:p>
+          <a:p>
+            <a:pPr eaLnBrk="1" hangingPunct="1">
+              <a:lnSpc>
+                <a:spcPct val="80000"/>
+              </a:lnSpc>
+              <a:buFont typeface="Wingdings" pitchFamily="2" charset="2"/>
+              <a:buChar char="§"/>
+            </a:pPr>
+            <a:r>
+              <a:rPr lang="en-US" sz="2200" dirty="0" smtClean="0"/>
+              <a:t>This </a:t>
+            </a:r>
+            <a:r>
+              <a:rPr lang="en-US" sz="2200" dirty="0" smtClean="0"/>
+              <a:t>format includes the following </a:t>
+            </a:r>
+            <a:r>
+              <a:rPr lang="en-US" sz="2200" dirty="0" err="1" smtClean="0"/>
+              <a:t>Keplerian</a:t>
+            </a:r>
+            <a:r>
+              <a:rPr lang="en-US" sz="2200" dirty="0" smtClean="0"/>
+              <a:t> element </a:t>
+            </a:r>
+            <a:r>
+              <a:rPr lang="en-US" sz="2200" dirty="0" smtClean="0"/>
+              <a:t>information Epoch</a:t>
             </a:r>
             <a:endParaRPr lang="en-US" sz="2200" dirty="0" smtClean="0"/>
           </a:p>
@@ -14526,8 +16715,17 @@
               <a:rPr lang="en-US" sz="2200" dirty="0" smtClean="0">
                 <a:ea typeface="ＭＳ Ｐゴシック" charset="0"/>
               </a:rPr>
-              <a:t>Orbit inclination</a:t>
-            </a:r>
+              <a:t>Orbit </a:t>
+            </a:r>
+            <a:r>
+              <a:rPr lang="en-US" sz="2200" dirty="0" smtClean="0">
+                <a:ea typeface="ＭＳ Ｐゴシック" charset="0"/>
+              </a:rPr>
+              <a:t>inclination (deg.)</a:t>
+            </a:r>
+            <a:endParaRPr lang="en-US" sz="2200" dirty="0" smtClean="0">
+              <a:ea typeface="ＭＳ Ｐゴシック" charset="0"/>
+            </a:endParaRPr>
           </a:p>
           <a:p>
             <a:pPr lvl="1" eaLnBrk="1" hangingPunct="1">
@@ -14541,8 +16739,17 @@
               <a:rPr lang="en-US" sz="2200" dirty="0" smtClean="0">
                 <a:ea typeface="ＭＳ Ｐゴシック" charset="0"/>
               </a:rPr>
-              <a:t>Right ascension of the ascending node</a:t>
-            </a:r>
+              <a:t>Right ascension of the ascending </a:t>
+            </a:r>
+            <a:r>
+              <a:rPr lang="en-US" sz="2200" dirty="0" smtClean="0">
+                <a:ea typeface="ＭＳ Ｐゴシック" charset="0"/>
+              </a:rPr>
+              <a:t>node (deg.)</a:t>
+            </a:r>
+            <a:endParaRPr lang="en-US" sz="2200" dirty="0" smtClean="0">
+              <a:ea typeface="ＭＳ Ｐゴシック" charset="0"/>
+            </a:endParaRPr>
           </a:p>
           <a:p>
             <a:pPr lvl="1" eaLnBrk="1" hangingPunct="1">
@@ -14556,8 +16763,11 @@
               <a:rPr lang="en-US" sz="2200" dirty="0" smtClean="0">
                 <a:ea typeface="ＭＳ Ｐゴシック" charset="0"/>
               </a:rPr>
-              <a:t>Eccentricity</a:t>
-            </a:r>
+              <a:t>Eccentricity </a:t>
+            </a:r>
+            <a:endParaRPr lang="en-US" sz="2200" dirty="0" smtClean="0">
+              <a:ea typeface="ＭＳ Ｐゴシック" charset="0"/>
+            </a:endParaRPr>
           </a:p>
           <a:p>
             <a:pPr lvl="1" eaLnBrk="1" hangingPunct="1">
@@ -14571,8 +16781,17 @@
               <a:rPr lang="en-US" sz="2200" dirty="0" smtClean="0">
                 <a:ea typeface="ＭＳ Ｐゴシック" charset="0"/>
               </a:rPr>
-              <a:t>Argument of perigee</a:t>
-            </a:r>
+              <a:t>Argument of </a:t>
+            </a:r>
+            <a:r>
+              <a:rPr lang="en-US" sz="2200" dirty="0" smtClean="0">
+                <a:ea typeface="ＭＳ Ｐゴシック" charset="0"/>
+              </a:rPr>
+              <a:t>perigee (deg.)</a:t>
+            </a:r>
+            <a:endParaRPr lang="en-US" sz="2200" dirty="0" smtClean="0">
+              <a:ea typeface="ＭＳ Ｐゴシック" charset="0"/>
+            </a:endParaRPr>
           </a:p>
           <a:p>
             <a:pPr lvl="1" eaLnBrk="1" hangingPunct="1">
@@ -14586,8 +16805,17 @@
               <a:rPr lang="en-US" sz="2200" dirty="0" smtClean="0">
                 <a:ea typeface="ＭＳ Ｐゴシック" charset="0"/>
               </a:rPr>
-              <a:t>Mean anomaly</a:t>
-            </a:r>
+              <a:t>Mean </a:t>
+            </a:r>
+            <a:r>
+              <a:rPr lang="en-US" sz="2200" dirty="0" smtClean="0">
+                <a:ea typeface="ＭＳ Ｐゴシック" charset="0"/>
+              </a:rPr>
+              <a:t>anomaly (deg.)</a:t>
+            </a:r>
+            <a:endParaRPr lang="en-US" sz="2200" dirty="0" smtClean="0">
+              <a:ea typeface="ＭＳ Ｐゴシック" charset="0"/>
+            </a:endParaRPr>
           </a:p>
           <a:p>
             <a:pPr lvl="1" eaLnBrk="1" hangingPunct="1">
@@ -14601,8 +16829,17 @@
               <a:rPr lang="en-US" sz="2200" dirty="0" smtClean="0">
                 <a:ea typeface="ＭＳ Ｐゴシック" charset="0"/>
               </a:rPr>
-              <a:t>Mean motion</a:t>
-            </a:r>
+              <a:t>Mean </a:t>
+            </a:r>
+            <a:r>
+              <a:rPr lang="en-US" sz="2200" dirty="0" smtClean="0">
+                <a:ea typeface="ＭＳ Ｐゴシック" charset="0"/>
+              </a:rPr>
+              <a:t>motion (rev./day)</a:t>
+            </a:r>
+            <a:endParaRPr lang="en-US" sz="2200" dirty="0" smtClean="0">
+              <a:ea typeface="ＭＳ Ｐゴシック" charset="0"/>
+            </a:endParaRPr>
           </a:p>
           <a:p>
             <a:pPr lvl="1" eaLnBrk="1" hangingPunct="1">
@@ -14616,7 +16853,13 @@
               <a:rPr lang="en-US" sz="2200" dirty="0" smtClean="0">
                 <a:ea typeface="ＭＳ Ｐゴシック" charset="0"/>
               </a:rPr>
-              <a:t>Revolution number at epoch</a:t>
+              <a:t>Revolution number at </a:t>
+            </a:r>
+            <a:r>
+              <a:rPr lang="en-US" sz="2200" dirty="0" smtClean="0">
+                <a:ea typeface="ＭＳ Ｐゴシック" charset="0"/>
+              </a:rPr>
+              <a:t>epoch (rev.)</a:t>
             </a:r>
             <a:endParaRPr lang="en-US" sz="2200" dirty="0">
               <a:ea typeface="ＭＳ Ｐゴシック" charset="0"/>
@@ -14654,7 +16897,7 @@
           <p:nvPr/>
         </p:nvPicPr>
         <p:blipFill>
-          <a:blip r:embed="rId2">
+          <a:blip r:embed="rId3">
             <a:extLst>
               <a:ext uri="{28A0092B-C50C-407E-A947-70E740481C1C}">
                 <a14:useLocalDpi xmlns:a14="http://schemas.microsoft.com/office/drawing/2010/main" val="0"/>
@@ -14680,14 +16923,14 @@
           </a:ln>
           <a:extLst>
             <a:ext uri="{909E8E84-426E-40dd-AFC4-6F175D3DCCD1}">
-              <a14:hiddenFill xmlns="" xmlns:a14="http://schemas.microsoft.com/office/drawing/2010/main">
+              <a14:hiddenFill xmlns:a14="http://schemas.microsoft.com/office/drawing/2010/main" xmlns="">
                 <a:solidFill>
                   <a:srgbClr val="FFFFFF"/>
                 </a:solidFill>
               </a14:hiddenFill>
             </a:ext>
             <a:ext uri="{91240B29-F687-4f45-9708-019B960494DF}">
-              <a14:hiddenLine xmlns="" xmlns:a14="http://schemas.microsoft.com/office/drawing/2010/main" w="9525">
+              <a14:hiddenLine xmlns:a14="http://schemas.microsoft.com/office/drawing/2010/main" xmlns="" w="9525">
                 <a:solidFill>
                   <a:srgbClr val="000000"/>
                 </a:solidFill>
@@ -14699,6 +16942,64 @@
           </a:extLst>
         </p:spPr>
       </p:pic>
+      <p:pic>
+        <p:nvPicPr>
+          <p:cNvPr id="2" name="Picture 1"/>
+          <p:cNvPicPr>
+            <a:picLocks noChangeAspect="1"/>
+          </p:cNvPicPr>
+          <p:nvPr/>
+        </p:nvPicPr>
+        <p:blipFill>
+          <a:blip r:embed="rId4"/>
+          <a:stretch>
+            <a:fillRect/>
+          </a:stretch>
+        </p:blipFill>
+        <p:spPr>
+          <a:xfrm>
+            <a:off x="6086864" y="2445959"/>
+            <a:ext cx="2216563" cy="2022457"/>
+          </a:xfrm>
+          <a:prstGeom prst="rect">
+            <a:avLst/>
+          </a:prstGeom>
+        </p:spPr>
+      </p:pic>
+      <p:sp>
+        <p:nvSpPr>
+          <p:cNvPr id="7" name="TextBox 6"/>
+          <p:cNvSpPr txBox="1"/>
+          <p:nvPr/>
+        </p:nvSpPr>
+        <p:spPr>
+          <a:xfrm>
+            <a:off x="5382817" y="4403527"/>
+            <a:ext cx="3624658" cy="307777"/>
+          </a:xfrm>
+          <a:prstGeom prst="rect">
+            <a:avLst/>
+          </a:prstGeom>
+          <a:noFill/>
+        </p:spPr>
+        <p:txBody>
+          <a:bodyPr wrap="square" rtlCol="0">
+            <a:spAutoFit/>
+          </a:bodyPr>
+          <a:lstStyle/>
+          <a:p>
+            <a:r>
+              <a:rPr lang="en-US" sz="1400" i="1" dirty="0" err="1" smtClean="0"/>
+              <a:t>Keplerian</a:t>
+            </a:r>
+            <a:r>
+              <a:rPr lang="en-US" sz="1400" i="1" dirty="0" smtClean="0"/>
+              <a:t> Elements for Orbital Predictions</a:t>
+            </a:r>
+            <a:endParaRPr lang="en-US" sz="1400" i="1" dirty="0"/>
+          </a:p>
+        </p:txBody>
+      </p:sp>
     </p:spTree>
   </p:cSld>
   <p:clrMapOvr>
@@ -14742,7 +17043,15 @@
             <a:pPr eaLnBrk="1" hangingPunct="1"/>
             <a:r>
               <a:rPr lang="en-US" dirty="0" smtClean="0"/>
-              <a:t>Sensor</a:t>
+              <a:t>Sensor – TLE Data (</a:t>
+            </a:r>
+            <a:r>
+              <a:rPr lang="en-US" dirty="0" err="1" smtClean="0"/>
+              <a:t>Cnt</a:t>
+            </a:r>
+            <a:r>
+              <a:rPr lang="en-US" dirty="0" smtClean="0"/>
+              <a:t>.)</a:t>
             </a:r>
             <a:endParaRPr lang="en-US" dirty="0"/>
           </a:p>
@@ -14766,7 +17075,7 @@
         </p:spPr>
         <p:txBody>
           <a:bodyPr>
-            <a:normAutofit/>
+            <a:normAutofit lnSpcReduction="10000"/>
           </a:bodyPr>
           <a:lstStyle/>
           <a:p>
@@ -14811,9 +17120,64 @@
               </a:rPr>
               <a:t>Rectangular position characteristics (XYZ) </a:t>
             </a:r>
+            <a:endParaRPr lang="en-US" sz="2200" dirty="0" smtClean="0">
+              <a:ea typeface="ＭＳ Ｐゴシック" charset="0"/>
+            </a:endParaRPr>
+          </a:p>
+          <a:p>
+            <a:pPr marL="282575" lvl="1" indent="0">
+              <a:buNone/>
+            </a:pPr>
             <a:endParaRPr lang="en-US" sz="2200" dirty="0">
               <a:ea typeface="ＭＳ Ｐゴシック" charset="0"/>
             </a:endParaRPr>
+          </a:p>
+          <a:p>
+            <a:r>
+              <a:rPr lang="en-US" sz="2200" dirty="0" smtClean="0"/>
+              <a:t>The </a:t>
+            </a:r>
+            <a:r>
+              <a:rPr lang="en-US" sz="2200" dirty="0"/>
+              <a:t>data to be used for the </a:t>
+            </a:r>
+            <a:r>
+              <a:rPr lang="en-US" sz="2200" dirty="0" smtClean="0"/>
+              <a:t>SPG4 and SVM ML model will be in True Equator Mean Equinox (TEME) of Epoch </a:t>
+            </a:r>
+            <a:r>
+              <a:rPr lang="en-US" sz="2200" dirty="0"/>
+              <a:t>Coordinate System </a:t>
+            </a:r>
+            <a:r>
+              <a:rPr lang="en-US" sz="2200" dirty="0" smtClean="0"/>
+              <a:t>format, based on the epoch of specified TLE. </a:t>
+            </a:r>
+            <a:endParaRPr lang="en-US" sz="2200" dirty="0"/>
+          </a:p>
+          <a:p>
+            <a:pPr lvl="1"/>
+            <a:r>
+              <a:rPr lang="en-US" sz="2200" dirty="0" smtClean="0"/>
+              <a:t>Transformations from TEME to ECEF can be done by rotating X</a:t>
+            </a:r>
+            <a:r>
+              <a:rPr lang="en-US" sz="2200" baseline="-25000" dirty="0" smtClean="0"/>
+              <a:t>TEME</a:t>
+            </a:r>
+            <a:r>
+              <a:rPr lang="en-US" sz="2200" dirty="0" smtClean="0"/>
+              <a:t> towards X</a:t>
+            </a:r>
+            <a:r>
+              <a:rPr lang="en-US" sz="2200" baseline="-25000" dirty="0" smtClean="0"/>
+              <a:t>ECEF</a:t>
+            </a:r>
+            <a:r>
+              <a:rPr lang="en-US" sz="2200" dirty="0" smtClean="0"/>
+              <a:t> and Rotating instantaneous pole of TEME towards International Reference Pole (IRP) of ECEF. </a:t>
+            </a:r>
+            <a:endParaRPr lang="en-US" sz="2200" dirty="0"/>
           </a:p>
           <a:p>
             <a:pPr marL="282575" lvl="1" indent="0">
@@ -14873,14 +17237,14 @@
           </a:ln>
           <a:extLst>
             <a:ext uri="{909E8E84-426E-40dd-AFC4-6F175D3DCCD1}">
-              <a14:hiddenFill xmlns="" xmlns:a14="http://schemas.microsoft.com/office/drawing/2010/main">
+              <a14:hiddenFill xmlns:a14="http://schemas.microsoft.com/office/drawing/2010/main" xmlns="">
                 <a:solidFill>
                   <a:srgbClr val="FFFFFF"/>
                 </a:solidFill>
               </a14:hiddenFill>
             </a:ext>
             <a:ext uri="{91240B29-F687-4f45-9708-019B960494DF}">
-              <a14:hiddenLine xmlns="" xmlns:a14="http://schemas.microsoft.com/office/drawing/2010/main" w="9525">
+              <a14:hiddenLine xmlns:a14="http://schemas.microsoft.com/office/drawing/2010/main" xmlns="" w="9525">
                 <a:solidFill>
                   <a:srgbClr val="000000"/>
                 </a:solidFill>
@@ -14959,12 +17323,12 @@
         <p:spPr>
           <a:xfrm>
             <a:off x="149225" y="1200150"/>
-            <a:ext cx="8858250" cy="3394075"/>
+            <a:ext cx="8858250" cy="2315944"/>
           </a:xfrm>
         </p:spPr>
         <p:txBody>
           <a:bodyPr>
-            <a:normAutofit/>
+            <a:normAutofit lnSpcReduction="10000"/>
           </a:bodyPr>
           <a:lstStyle/>
           <a:p>
@@ -14977,15 +17341,7 @@
             </a:pPr>
             <a:r>
               <a:rPr lang="en-US" sz="2200" dirty="0" smtClean="0"/>
-              <a:t>TLE data is acquired from US Strategic Command database </a:t>
-            </a:r>
-            <a:r>
-              <a:rPr lang="en-US" sz="2200" dirty="0" smtClean="0"/>
-              <a:t>and t</a:t>
-            </a:r>
-            <a:r>
-              <a:rPr lang="en-US" sz="2200" dirty="0" smtClean="0"/>
-              <a:t>ruth data is acquired from ILRS database.</a:t>
+              <a:t>TLE data is acquired from US Strategic Command database and truth data is acquired from ILRS database.</a:t>
             </a:r>
           </a:p>
           <a:p>
@@ -15030,7 +17386,6 @@
               <a:rPr lang="en-US" sz="2200" dirty="0" smtClean="0"/>
               <a:t>while test data is in a one month block</a:t>
             </a:r>
-            <a:endParaRPr lang="en-US" sz="2200" dirty="0" smtClean="0"/>
           </a:p>
         </p:txBody>
       </p:sp>
@@ -15043,7 +17398,7 @@
           <p:nvPr/>
         </p:nvPicPr>
         <p:blipFill>
-          <a:blip r:embed="rId2">
+          <a:blip r:embed="rId3">
             <a:extLst>
               <a:ext uri="{28A0092B-C50C-407E-A947-70E740481C1C}">
                 <a14:useLocalDpi xmlns:a14="http://schemas.microsoft.com/office/drawing/2010/main" val="0"/>
@@ -15069,14 +17424,14 @@
           </a:ln>
           <a:extLst>
             <a:ext uri="{909E8E84-426E-40dd-AFC4-6F175D3DCCD1}">
-              <a14:hiddenFill xmlns="" xmlns:a14="http://schemas.microsoft.com/office/drawing/2010/main">
+              <a14:hiddenFill xmlns:a14="http://schemas.microsoft.com/office/drawing/2010/main" xmlns="">
                 <a:solidFill>
                   <a:srgbClr val="FFFFFF"/>
                 </a:solidFill>
               </a14:hiddenFill>
             </a:ext>
             <a:ext uri="{91240B29-F687-4f45-9708-019B960494DF}">
-              <a14:hiddenLine xmlns="" xmlns:a14="http://schemas.microsoft.com/office/drawing/2010/main" w="9525">
+              <a14:hiddenLine xmlns:a14="http://schemas.microsoft.com/office/drawing/2010/main" xmlns="" w="9525">
                 <a:solidFill>
                   <a:srgbClr val="000000"/>
                 </a:solidFill>
@@ -15088,6 +17443,60 @@
           </a:extLst>
         </p:spPr>
       </p:pic>
+      <p:pic>
+        <p:nvPicPr>
+          <p:cNvPr id="5" name="Picture 4"/>
+          <p:cNvPicPr>
+            <a:picLocks noChangeAspect="1"/>
+          </p:cNvPicPr>
+          <p:nvPr/>
+        </p:nvPicPr>
+        <p:blipFill>
+          <a:blip r:embed="rId4"/>
+          <a:stretch>
+            <a:fillRect/>
+          </a:stretch>
+        </p:blipFill>
+        <p:spPr>
+          <a:xfrm>
+            <a:off x="1108455" y="3278981"/>
+            <a:ext cx="6939789" cy="1594898"/>
+          </a:xfrm>
+          <a:prstGeom prst="rect">
+            <a:avLst/>
+          </a:prstGeom>
+        </p:spPr>
+      </p:pic>
+      <p:sp>
+        <p:nvSpPr>
+          <p:cNvPr id="2" name="TextBox 1"/>
+          <p:cNvSpPr txBox="1"/>
+          <p:nvPr/>
+        </p:nvSpPr>
+        <p:spPr>
+          <a:xfrm>
+            <a:off x="3081733" y="4789052"/>
+            <a:ext cx="2993231" cy="307777"/>
+          </a:xfrm>
+          <a:prstGeom prst="rect">
+            <a:avLst/>
+          </a:prstGeom>
+          <a:noFill/>
+        </p:spPr>
+        <p:txBody>
+          <a:bodyPr wrap="square" rtlCol="0">
+            <a:spAutoFit/>
+          </a:bodyPr>
+          <a:lstStyle/>
+          <a:p>
+            <a:r>
+              <a:rPr lang="en-US" sz="1400" i="1" dirty="0" smtClean="0"/>
+              <a:t>Composition of TLE Data</a:t>
+            </a:r>
+            <a:endParaRPr lang="en-US" sz="1400" i="1" dirty="0"/>
+          </a:p>
+        </p:txBody>
+      </p:sp>
     </p:spTree>
     <p:extLst>
       <p:ext uri="{BB962C8B-B14F-4D97-AF65-F5344CB8AC3E}">
@@ -15154,12 +17563,12 @@
         <p:spPr>
           <a:xfrm>
             <a:off x="149225" y="1200150"/>
-            <a:ext cx="8858250" cy="3394075"/>
+            <a:ext cx="8858250" cy="3850481"/>
           </a:xfrm>
         </p:spPr>
         <p:txBody>
           <a:bodyPr>
-            <a:normAutofit/>
+            <a:normAutofit fontScale="77500" lnSpcReduction="20000"/>
           </a:bodyPr>
           <a:lstStyle/>
           <a:p>
@@ -15172,52 +17581,159 @@
             </a:pPr>
             <a:r>
               <a:rPr lang="en-US" sz="2200" dirty="0"/>
-              <a:t>Describe the technical approach and goals in order to accomplish the project objective</a:t>
-            </a:r>
+              <a:t>T</a:t>
+            </a:r>
+            <a:r>
+              <a:rPr lang="en-US" sz="2200" dirty="0" smtClean="0"/>
+              <a:t>echnical </a:t>
+            </a:r>
+            <a:r>
+              <a:rPr lang="en-US" sz="2200" dirty="0"/>
+              <a:t>approach and </a:t>
+            </a:r>
+            <a:r>
+              <a:rPr lang="en-US" sz="2200" dirty="0" smtClean="0"/>
+              <a:t>Goals </a:t>
+            </a:r>
+            <a:r>
+              <a:rPr lang="en-US" sz="2200" dirty="0"/>
+              <a:t>in order to accomplish the </a:t>
+            </a:r>
+            <a:r>
+              <a:rPr lang="en-US" sz="2200" dirty="0" smtClean="0"/>
+              <a:t>Project </a:t>
+            </a:r>
+            <a:r>
+              <a:rPr lang="en-US" sz="2200" dirty="0" smtClean="0"/>
+              <a:t>O</a:t>
+            </a:r>
+            <a:r>
+              <a:rPr lang="en-US" sz="2200" dirty="0" smtClean="0"/>
+              <a:t>bjective*</a:t>
+            </a:r>
+            <a:endParaRPr lang="en-US" sz="2200" dirty="0"/>
           </a:p>
           <a:p>
             <a:pPr lvl="1"/>
             <a:r>
-              <a:rPr lang="en-US" sz="2200" dirty="0"/>
-              <a:t>e.g. </a:t>
-            </a:r>
+              <a:rPr lang="en-US" sz="2200" dirty="0" smtClean="0">
+                <a:ea typeface="ＭＳ Ｐゴシック" charset="0"/>
+              </a:rPr>
+              <a:t>Sensor </a:t>
+            </a:r>
+          </a:p>
+          <a:p>
+            <a:pPr lvl="2"/>
+            <a:r>
+              <a:rPr lang="en-US" sz="2200" dirty="0" smtClean="0">
+                <a:ea typeface="ＭＳ Ｐゴシック" charset="0"/>
+              </a:rPr>
+              <a:t>Goal: Obtain orbital data needed to build a </a:t>
+            </a:r>
+            <a:r>
+              <a:rPr lang="en-US" sz="2200" dirty="0" err="1" smtClean="0">
+                <a:ea typeface="ＭＳ Ｐゴシック" charset="0"/>
+              </a:rPr>
+              <a:t>satallites</a:t>
+            </a:r>
+            <a:r>
+              <a:rPr lang="en-US" sz="2200" dirty="0" smtClean="0">
+                <a:ea typeface="ＭＳ Ｐゴシック" charset="0"/>
+              </a:rPr>
+              <a:t> position from orbital mechanics equations.</a:t>
+            </a:r>
+          </a:p>
+          <a:p>
+            <a:pPr lvl="2"/>
+            <a:r>
+              <a:rPr lang="en-US" sz="2200" dirty="0" smtClean="0">
+                <a:ea typeface="ＭＳ Ｐゴシック" charset="0"/>
+              </a:rPr>
+              <a:t>Technical Approach: Obtain 6 months of TLE Training Data and 1 Month </a:t>
+            </a:r>
+            <a:r>
+              <a:rPr lang="en-US" sz="2200" dirty="0" smtClean="0">
+                <a:ea typeface="ＭＳ Ｐゴシック" charset="0"/>
+              </a:rPr>
+              <a:t>TLE t</a:t>
+            </a:r>
+            <a:r>
+              <a:rPr lang="en-US" sz="2200" dirty="0" smtClean="0">
+                <a:ea typeface="ＭＳ Ｐゴシック" charset="0"/>
+              </a:rPr>
+              <a:t>est data for training the Machine Learning Algorithm. Obtain truth data from ILRS.</a:t>
+            </a:r>
+          </a:p>
+          <a:p>
+            <a:pPr lvl="2" indent="0">
+              <a:buNone/>
+            </a:pPr>
+            <a:endParaRPr lang="en-US" sz="2200" dirty="0" smtClean="0">
+              <a:ea typeface="ＭＳ Ｐゴシック" charset="0"/>
+            </a:endParaRPr>
+          </a:p>
+          <a:p>
+            <a:pPr lvl="1"/>
+            <a:r>
+              <a:rPr lang="en-US" sz="2200" dirty="0" smtClean="0">
+                <a:ea typeface="ＭＳ Ｐゴシック" charset="0"/>
+              </a:rPr>
+              <a:t>Signal Capture </a:t>
+            </a:r>
+          </a:p>
+          <a:p>
+            <a:pPr lvl="2"/>
             <a:r>
               <a:rPr lang="en-US" sz="2200" dirty="0">
                 <a:ea typeface="ＭＳ Ｐゴシック" charset="0"/>
               </a:rPr>
-              <a:t>Sensor, Signal Capture, </a:t>
-            </a:r>
-            <a:r>
-              <a:rPr lang="x-none" sz="2200" dirty="0">
+              <a:t>Goal</a:t>
+            </a:r>
+            <a:r>
+              <a:rPr lang="en-US" sz="2200" dirty="0" smtClean="0">
                 <a:ea typeface="ＭＳ Ｐゴシック" charset="0"/>
               </a:rPr>
-              <a:t>Data Conditioning</a:t>
-            </a:r>
+              <a:t>: Capture TLE data with </a:t>
+            </a:r>
+            <a:r>
+              <a:rPr lang="en-US" sz="2200" dirty="0" err="1" smtClean="0">
+                <a:ea typeface="ＭＳ Ｐゴシック" charset="0"/>
+              </a:rPr>
+              <a:t>Keplerain</a:t>
+            </a:r>
+            <a:r>
+              <a:rPr lang="en-US" sz="2200" dirty="0" smtClean="0">
+                <a:ea typeface="ＭＳ Ｐゴシック" charset="0"/>
+              </a:rPr>
+              <a:t> elements necessary to create the Orbital Prediction model</a:t>
+            </a:r>
+            <a:endParaRPr lang="en-US" sz="2200" dirty="0">
+              <a:ea typeface="ＭＳ Ｐゴシック" charset="0"/>
+            </a:endParaRPr>
+          </a:p>
+          <a:p>
+            <a:pPr lvl="2"/>
             <a:r>
               <a:rPr lang="en-US" sz="2200" dirty="0">
                 <a:ea typeface="ＭＳ Ｐゴシック" charset="0"/>
               </a:rPr>
-              <a:t>, </a:t>
-            </a:r>
-            <a:r>
-              <a:rPr lang="x-none" sz="2200" dirty="0">
+              <a:t>Technical Approach</a:t>
+            </a:r>
+            <a:r>
+              <a:rPr lang="en-US" sz="2200" dirty="0" smtClean="0">
                 <a:ea typeface="ＭＳ Ｐゴシック" charset="0"/>
               </a:rPr>
-              <a:t>Feature Extraction</a:t>
-            </a:r>
-            <a:r>
-              <a:rPr lang="en-US" sz="2200" dirty="0">
-                <a:ea typeface="ＭＳ Ｐゴシック" charset="0"/>
-              </a:rPr>
-              <a:t>, </a:t>
-            </a:r>
-            <a:r>
-              <a:rPr lang="x-none" sz="2200" dirty="0">
-                <a:ea typeface="ＭＳ Ｐゴシック" charset="0"/>
-              </a:rPr>
-              <a:t>Modeling/Prediction</a:t>
-            </a:r>
-            <a:endParaRPr lang="en-US" sz="2200" dirty="0">
+              <a:t>: Extract TLE data of Orbit Inclination, Right ascension of ascending node, Eccentricity, Argument of Perigee, Mean anomaly, Mean Motion, and Revolution number at Epoch.</a:t>
+            </a:r>
+            <a:endParaRPr lang="en-US" sz="2200" dirty="0" smtClean="0">
+              <a:ea typeface="ＭＳ Ｐゴシック" charset="0"/>
+            </a:endParaRPr>
+          </a:p>
+          <a:p>
+            <a:pPr marL="282575" lvl="1" indent="0">
+              <a:buNone/>
+            </a:pPr>
+            <a:endParaRPr lang="en-US" sz="2200" dirty="0" smtClean="0">
               <a:ea typeface="ＭＳ Ｐゴシック" charset="0"/>
             </a:endParaRPr>
           </a:p>
@@ -15249,9 +17765,38 @@
               </a:lnSpc>
               <a:buNone/>
             </a:pPr>
+            <a:endParaRPr lang="en-US" sz="2200" dirty="0" smtClean="0"/>
+          </a:p>
+          <a:p>
+            <a:pPr marL="0" indent="0" eaLnBrk="1" hangingPunct="1">
+              <a:lnSpc>
+                <a:spcPct val="80000"/>
+              </a:lnSpc>
+              <a:buNone/>
+            </a:pPr>
+            <a:r>
+              <a:rPr lang="en-US" sz="2200" b="1" u="sng" dirty="0" smtClean="0"/>
+              <a:t>* </a:t>
+            </a:r>
+            <a:r>
+              <a:rPr lang="en-US" sz="2200" b="1" u="sng" dirty="0"/>
+              <a:t>Note: </a:t>
+            </a:r>
             <a:r>
               <a:rPr lang="en-US" sz="2200" dirty="0"/>
-              <a:t>* Note: the detail discussion of each task should be presented in the Result/Conclusion sections later. </a:t>
+              <a:t>the detail discussion of each task </a:t>
+            </a:r>
+            <a:r>
+              <a:rPr lang="en-US" sz="2200" dirty="0" smtClean="0"/>
+              <a:t>is presented </a:t>
+            </a:r>
+            <a:r>
+              <a:rPr lang="en-US" sz="2200" dirty="0"/>
+              <a:t>in the Result/Conclusion </a:t>
+            </a:r>
+            <a:r>
+              <a:rPr lang="en-US" sz="2200" dirty="0" smtClean="0"/>
+              <a:t>section. </a:t>
             </a:r>
             <a:endParaRPr sz="2200" dirty="0"/>
           </a:p>
@@ -15292,14 +17837,14 @@
           </a:ln>
           <a:extLst>
             <a:ext uri="{909E8E84-426E-40dd-AFC4-6F175D3DCCD1}">
-              <a14:hiddenFill xmlns="" xmlns:a14="http://schemas.microsoft.com/office/drawing/2010/main">
+              <a14:hiddenFill xmlns:a14="http://schemas.microsoft.com/office/drawing/2010/main" xmlns="">
                 <a:solidFill>
                   <a:srgbClr val="FFFFFF"/>
                 </a:solidFill>
               </a14:hiddenFill>
             </a:ext>
             <a:ext uri="{91240B29-F687-4f45-9708-019B960494DF}">
-              <a14:hiddenLine xmlns="" xmlns:a14="http://schemas.microsoft.com/office/drawing/2010/main" w="9525">
+              <a14:hiddenLine xmlns:a14="http://schemas.microsoft.com/office/drawing/2010/main" xmlns="" w="9525">
                 <a:solidFill>
                   <a:srgbClr val="000000"/>
                 </a:solidFill>
